--- a/Data-Visualization/Final Project/Kolla_FinalProject.pptx
+++ b/Data-Visualization/Final Project/Kolla_FinalProject.pptx
@@ -5413,24 +5413,21 @@
             </a:r>
           </a:p>
           <a:p>
-            <a:pPr marL="0" indent="0" algn="ctr">
+            <a:pPr marL="0" indent="0" algn="just">
               <a:lnSpc>
-                <a:spcPct val="100000"/>
+                <a:spcPct val="150000"/>
               </a:lnSpc>
-              <a:spcBef>
-                <a:spcPts val="1600"/>
-              </a:spcBef>
               <a:buNone/>
             </a:pPr>
             <a:r>
-              <a:rPr lang="en-US" sz="1500" dirty="0">
+              <a:rPr lang="en-US" sz="1600" dirty="0">
                 <a:solidFill>
                   <a:schemeClr val="bg1"/>
                 </a:solidFill>
                 <a:latin typeface="Times New Roman" panose="02020603050405020304" pitchFamily="18" charset="0"/>
                 <a:cs typeface="Times New Roman" panose="02020603050405020304" pitchFamily="18" charset="0"/>
               </a:rPr>
-              <a:t>Zomato Restaurant Data Analysis is an example of the various useful analyses for people who like food and who want to enjoy the most excellent foods in every part of the world, which are in their estimated budget. This report is also for those who crave to find the benefit of cash restaurants in different parts of the country for the cuisines. Additionally, this review provides the requirements of people who are trying to get the best cuisine of the nation and which area of that country serves those cuisines with a maximum number of restaurants.</a:t>
+              <a:t>Recently, US 2020 Elections were held, and the main contestants were Joe Biden from Democratic party and Donald Trump from Republican Party. I wanted to do an analysis on Twitter data to get results of who will be the possible winner of US 2020 Elections.</a:t>
             </a:r>
           </a:p>
         </p:txBody>

--- a/Data-Visualization/Final Project/Kolla_FinalProject.pptx
+++ b/Data-Visualization/Final Project/Kolla_FinalProject.pptx
@@ -11,7 +11,7 @@
     <p:sldId id="256" r:id="rId2"/>
     <p:sldId id="257" r:id="rId3"/>
     <p:sldId id="258" r:id="rId4"/>
-    <p:sldId id="261" r:id="rId5"/>
+    <p:sldId id="269" r:id="rId5"/>
     <p:sldId id="262" r:id="rId6"/>
     <p:sldId id="265" r:id="rId7"/>
     <p:sldId id="263" r:id="rId8"/>
@@ -3977,68 +3977,20 @@
           </a:bodyPr>
           <a:lstStyle/>
           <a:p>
-            <a:pPr lvl="1">
+            <a:pPr marL="0" indent="0" algn="just">
               <a:lnSpc>
-                <a:spcPct val="110000"/>
+                <a:spcPct val="150000"/>
               </a:lnSpc>
+              <a:buNone/>
             </a:pPr>
             <a:r>
-              <a:rPr lang="en-US" sz="1500" dirty="0">
+              <a:rPr lang="en-US" dirty="0">
                 <a:latin typeface="Times New Roman" panose="02020603050405020304" pitchFamily="18" charset="0"/>
                 <a:cs typeface="Times New Roman" panose="02020603050405020304" pitchFamily="18" charset="0"/>
               </a:rPr>
-              <a:t>Found Maximum restaurant share in each country.</a:t>
-            </a:r>
-          </a:p>
-          <a:p>
-            <a:pPr lvl="1">
-              <a:lnSpc>
-                <a:spcPct val="110000"/>
-              </a:lnSpc>
-            </a:pPr>
-            <a:r>
-              <a:rPr lang="en-US" sz="1500" dirty="0">
-                <a:latin typeface="Times New Roman" panose="02020603050405020304" pitchFamily="18" charset="0"/>
-                <a:cs typeface="Times New Roman" panose="02020603050405020304" pitchFamily="18" charset="0"/>
-              </a:rPr>
-              <a:t>Here I found out an interesting factor that even though India shares the maximum number of restaurants . It has very few 5 star hotels about 1% .</a:t>
-            </a:r>
-          </a:p>
-          <a:p>
-            <a:pPr lvl="1">
-              <a:lnSpc>
-                <a:spcPct val="110000"/>
-              </a:lnSpc>
-            </a:pPr>
-            <a:r>
-              <a:rPr lang="en-US" sz="1500" dirty="0">
-                <a:latin typeface="Times New Roman" panose="02020603050405020304" pitchFamily="18" charset="0"/>
-                <a:cs typeface="Times New Roman" panose="02020603050405020304" pitchFamily="18" charset="0"/>
-              </a:rPr>
-              <a:t>Here I found out the oldest restaurant with highest rating and lowest average cost per two .</a:t>
-            </a:r>
-          </a:p>
-          <a:p>
-            <a:pPr lvl="1">
-              <a:lnSpc>
-                <a:spcPct val="110000"/>
-              </a:lnSpc>
-            </a:pPr>
-            <a:r>
-              <a:rPr lang="en-US" sz="1500" dirty="0">
-                <a:latin typeface="Times New Roman" panose="02020603050405020304" pitchFamily="18" charset="0"/>
-                <a:cs typeface="Times New Roman" panose="02020603050405020304" pitchFamily="18" charset="0"/>
-              </a:rPr>
-              <a:t>Here I found out the frequency distribution of ratings.</a:t>
-            </a:r>
-          </a:p>
-          <a:p>
-            <a:pPr lvl="1">
-              <a:lnSpc>
-                <a:spcPct val="110000"/>
-              </a:lnSpc>
-            </a:pPr>
-            <a:endParaRPr lang="en-US" sz="1500" dirty="0">
+              <a:t>From the Visualizations people can infer that Donald Trump has more likes than his counterpart from the bar chart. The Pie chart tells that In India, there was more discussion about Joe Biden than Donald Trump. From Sentiment Analysis, through funnel area graph chart we found that Donald Trump has fewer positive sentiments and more negative sentiments in the tweets than Joe Biden.</a:t>
+            </a:r>
+            <a:endParaRPr lang="en-US" sz="3200" dirty="0">
               <a:latin typeface="Times New Roman" panose="02020603050405020304" pitchFamily="18" charset="0"/>
               <a:cs typeface="Times New Roman" panose="02020603050405020304" pitchFamily="18" charset="0"/>
             </a:endParaRPr>
@@ -4248,426 +4200,66 @@
           </a:bodyPr>
           <a:lstStyle/>
           <a:p>
-            <a:pPr lvl="1">
-              <a:lnSpc>
-                <a:spcPct val="110000"/>
-              </a:lnSpc>
-            </a:pPr>
-            <a:r>
-              <a:rPr lang="en-US" sz="1500" dirty="0">
+            <a:r>
+              <a:rPr lang="en-US" dirty="0">
                 <a:latin typeface="Times New Roman" panose="02020603050405020304" pitchFamily="18" charset="0"/>
                 <a:cs typeface="Times New Roman" panose="02020603050405020304" pitchFamily="18" charset="0"/>
               </a:rPr>
-              <a:t>[Leila </a:t>
-            </a:r>
-            <a:r>
-              <a:rPr lang="en-US" sz="1500" dirty="0" err="1">
+              <a:t>Wang, Hao, et al. </a:t>
+            </a:r>
+            <a:r>
+              <a:rPr lang="en-US" i="1" dirty="0">
                 <a:latin typeface="Times New Roman" panose="02020603050405020304" pitchFamily="18" charset="0"/>
                 <a:cs typeface="Times New Roman" panose="02020603050405020304" pitchFamily="18" charset="0"/>
               </a:rPr>
-              <a:t>Gharani</a:t>
-            </a:r>
-            <a:r>
-              <a:rPr lang="en-US" sz="1500" dirty="0">
+              <a:t>A System for Real-Time Twitter Sentiment Analysis of 2012 U.S. Presidential Election Cycle</a:t>
+            </a:r>
+            <a:r>
+              <a:rPr lang="en-US" dirty="0">
                 <a:latin typeface="Times New Roman" panose="02020603050405020304" pitchFamily="18" charset="0"/>
                 <a:cs typeface="Times New Roman" panose="02020603050405020304" pitchFamily="18" charset="0"/>
               </a:rPr>
-              <a:t>]. </a:t>
-            </a:r>
-            <a:r>
-              <a:rPr lang="en-US" sz="1500" i="1" dirty="0">
+              <a:t>. </a:t>
+            </a:r>
+            <a:endParaRPr lang="en-US" sz="3200" dirty="0">
+              <a:latin typeface="Times New Roman" panose="02020603050405020304" pitchFamily="18" charset="0"/>
+              <a:cs typeface="Times New Roman" panose="02020603050405020304" pitchFamily="18" charset="0"/>
+            </a:endParaRPr>
+          </a:p>
+          <a:p>
+            <a:r>
+              <a:rPr lang="en-US" dirty="0">
                 <a:latin typeface="Times New Roman" panose="02020603050405020304" pitchFamily="18" charset="0"/>
                 <a:cs typeface="Times New Roman" panose="02020603050405020304" pitchFamily="18" charset="0"/>
               </a:rPr>
-              <a:t>(</a:t>
-            </a:r>
-            <a:r>
-              <a:rPr lang="en-US" sz="1500" dirty="0">
+              <a:t>KA, A. (2020, November 12). Data Visualization: US Election 2020. Retrieved from Medium website:</a:t>
+            </a:r>
+            <a:r>
+              <a:rPr lang="en-US" sz="3200" dirty="0">
                 <a:latin typeface="Times New Roman" panose="02020603050405020304" pitchFamily="18" charset="0"/>
                 <a:cs typeface="Times New Roman" panose="02020603050405020304" pitchFamily="18" charset="0"/>
               </a:rPr>
-              <a:t>Feb 1, 2018</a:t>
-            </a:r>
-            <a:r>
-              <a:rPr lang="en-US" sz="1500" i="1" dirty="0">
-                <a:latin typeface="Times New Roman" panose="02020603050405020304" pitchFamily="18" charset="0"/>
-                <a:cs typeface="Times New Roman" panose="02020603050405020304" pitchFamily="18" charset="0"/>
-              </a:rPr>
-              <a:t>). </a:t>
-            </a:r>
-            <a:r>
-              <a:rPr lang="en-US" sz="1500" dirty="0">
-                <a:latin typeface="Times New Roman" panose="02020603050405020304" pitchFamily="18" charset="0"/>
-                <a:cs typeface="Times New Roman" panose="02020603050405020304" pitchFamily="18" charset="0"/>
-              </a:rPr>
-              <a:t>Excel IF Formula: Simple to Advanced (multiple criteria, nested IF, AND, OR functions). Retrieved from </a:t>
-            </a:r>
-            <a:r>
-              <a:rPr lang="en-US" sz="1500" dirty="0">
+              <a:t> </a:t>
+            </a:r>
+            <a:r>
+              <a:rPr lang="en-US" u="sng" dirty="0">
                 <a:latin typeface="Times New Roman" panose="02020603050405020304" pitchFamily="18" charset="0"/>
                 <a:cs typeface="Times New Roman" panose="02020603050405020304" pitchFamily="18" charset="0"/>
                 <a:hlinkClick r:id="rId2"/>
               </a:rPr>
-              <a:t>https://</a:t>
-            </a:r>
-            <a:r>
-              <a:rPr lang="en-US" sz="1500" dirty="0" err="1">
-                <a:latin typeface="Times New Roman" panose="02020603050405020304" pitchFamily="18" charset="0"/>
-                <a:cs typeface="Times New Roman" panose="02020603050405020304" pitchFamily="18" charset="0"/>
-                <a:hlinkClick r:id="rId2"/>
-              </a:rPr>
-              <a:t>youtu.be</a:t>
-            </a:r>
-            <a:r>
-              <a:rPr lang="en-US" sz="1500" dirty="0">
-                <a:latin typeface="Times New Roman" panose="02020603050405020304" pitchFamily="18" charset="0"/>
-                <a:cs typeface="Times New Roman" panose="02020603050405020304" pitchFamily="18" charset="0"/>
-                <a:hlinkClick r:id="rId2"/>
-              </a:rPr>
-              <a:t>/KkTaQ5OjAGc </a:t>
-            </a:r>
-            <a:endParaRPr lang="en-US" sz="1500" dirty="0">
+              <a:t>https://medium.com/swlh/data-visualization-us-election-2020-a3d3531b611c</a:t>
+            </a:r>
+            <a:endParaRPr lang="en-US" sz="3200" dirty="0">
               <a:latin typeface="Times New Roman" panose="02020603050405020304" pitchFamily="18" charset="0"/>
               <a:cs typeface="Times New Roman" panose="02020603050405020304" pitchFamily="18" charset="0"/>
             </a:endParaRPr>
           </a:p>
           <a:p>
-            <a:pPr lvl="1">
+            <a:pPr marL="457200" lvl="1" indent="0">
               <a:lnSpc>
                 <a:spcPct val="110000"/>
               </a:lnSpc>
-            </a:pPr>
-            <a:r>
-              <a:rPr lang="en-US" sz="1500" dirty="0">
-                <a:latin typeface="Times New Roman" panose="02020603050405020304" pitchFamily="18" charset="0"/>
-                <a:cs typeface="Times New Roman" panose="02020603050405020304" pitchFamily="18" charset="0"/>
-              </a:rPr>
-              <a:t>[HNU Paul J. Cushing Library]. </a:t>
-            </a:r>
-            <a:r>
-              <a:rPr lang="en-US" sz="1500" i="1" dirty="0">
-                <a:latin typeface="Times New Roman" panose="02020603050405020304" pitchFamily="18" charset="0"/>
-                <a:cs typeface="Times New Roman" panose="02020603050405020304" pitchFamily="18" charset="0"/>
-              </a:rPr>
-              <a:t>(</a:t>
-            </a:r>
-            <a:r>
-              <a:rPr lang="en-US" sz="1500" dirty="0">
-                <a:latin typeface="Times New Roman" panose="02020603050405020304" pitchFamily="18" charset="0"/>
-                <a:cs typeface="Times New Roman" panose="02020603050405020304" pitchFamily="18" charset="0"/>
-              </a:rPr>
-              <a:t>Oct 4, 2016) APA How to create a running head in Word for Mac. Retrieved from </a:t>
-            </a:r>
-            <a:r>
-              <a:rPr lang="en-US" sz="1500" dirty="0">
-                <a:latin typeface="Times New Roman" panose="02020603050405020304" pitchFamily="18" charset="0"/>
-                <a:cs typeface="Times New Roman" panose="02020603050405020304" pitchFamily="18" charset="0"/>
-                <a:hlinkClick r:id="rId3"/>
-              </a:rPr>
-              <a:t>https://</a:t>
-            </a:r>
-            <a:r>
-              <a:rPr lang="en-US" sz="1500" dirty="0" err="1">
-                <a:latin typeface="Times New Roman" panose="02020603050405020304" pitchFamily="18" charset="0"/>
-                <a:cs typeface="Times New Roman" panose="02020603050405020304" pitchFamily="18" charset="0"/>
-                <a:hlinkClick r:id="rId3"/>
-              </a:rPr>
-              <a:t>youtu.be</a:t>
-            </a:r>
-            <a:r>
-              <a:rPr lang="en-US" sz="1500" dirty="0">
-                <a:latin typeface="Times New Roman" panose="02020603050405020304" pitchFamily="18" charset="0"/>
-                <a:cs typeface="Times New Roman" panose="02020603050405020304" pitchFamily="18" charset="0"/>
-                <a:hlinkClick r:id="rId3"/>
-              </a:rPr>
-              <a:t>/WtOr53z1bUg </a:t>
-            </a:r>
-            <a:endParaRPr lang="en-US" sz="1500" dirty="0">
-              <a:latin typeface="Times New Roman" panose="02020603050405020304" pitchFamily="18" charset="0"/>
-              <a:cs typeface="Times New Roman" panose="02020603050405020304" pitchFamily="18" charset="0"/>
-            </a:endParaRPr>
-          </a:p>
-          <a:p>
-            <a:pPr lvl="1">
-              <a:lnSpc>
-                <a:spcPct val="110000"/>
-              </a:lnSpc>
-            </a:pPr>
-            <a:r>
-              <a:rPr lang="en-US" sz="1500" dirty="0">
-                <a:latin typeface="Times New Roman" panose="02020603050405020304" pitchFamily="18" charset="0"/>
-                <a:cs typeface="Times New Roman" panose="02020603050405020304" pitchFamily="18" charset="0"/>
-              </a:rPr>
-              <a:t>delete row from Excel where column cell is empty</a:t>
-            </a:r>
-            <a:r>
-              <a:rPr lang="en-US" sz="1500" b="1" dirty="0">
-                <a:latin typeface="Times New Roman" panose="02020603050405020304" pitchFamily="18" charset="0"/>
-                <a:cs typeface="Times New Roman" panose="02020603050405020304" pitchFamily="18" charset="0"/>
-              </a:rPr>
-              <a:t>. </a:t>
-            </a:r>
-            <a:r>
-              <a:rPr lang="en-US" sz="1500" dirty="0">
-                <a:latin typeface="Times New Roman" panose="02020603050405020304" pitchFamily="18" charset="0"/>
-                <a:cs typeface="Times New Roman" panose="02020603050405020304" pitchFamily="18" charset="0"/>
-              </a:rPr>
-              <a:t>(2019).Retrieved from </a:t>
-            </a:r>
-            <a:r>
-              <a:rPr lang="en-US" sz="1500" dirty="0">
-                <a:latin typeface="Times New Roman" panose="02020603050405020304" pitchFamily="18" charset="0"/>
-                <a:cs typeface="Times New Roman" panose="02020603050405020304" pitchFamily="18" charset="0"/>
-                <a:hlinkClick r:id="rId4"/>
-              </a:rPr>
-              <a:t>https://</a:t>
-            </a:r>
-            <a:r>
-              <a:rPr lang="en-US" sz="1500" dirty="0" err="1">
-                <a:latin typeface="Times New Roman" panose="02020603050405020304" pitchFamily="18" charset="0"/>
-                <a:cs typeface="Times New Roman" panose="02020603050405020304" pitchFamily="18" charset="0"/>
-                <a:hlinkClick r:id="rId4"/>
-              </a:rPr>
-              <a:t>superuser.com</a:t>
-            </a:r>
-            <a:r>
-              <a:rPr lang="en-US" sz="1500" dirty="0">
-                <a:latin typeface="Times New Roman" panose="02020603050405020304" pitchFamily="18" charset="0"/>
-                <a:cs typeface="Times New Roman" panose="02020603050405020304" pitchFamily="18" charset="0"/>
-                <a:hlinkClick r:id="rId4"/>
-              </a:rPr>
-              <a:t>/questions/288908/delete-row-from-excel-where-column-cell-is-empty </a:t>
-            </a:r>
-            <a:endParaRPr lang="en-US" sz="1500" dirty="0">
-              <a:latin typeface="Times New Roman" panose="02020603050405020304" pitchFamily="18" charset="0"/>
-              <a:cs typeface="Times New Roman" panose="02020603050405020304" pitchFamily="18" charset="0"/>
-            </a:endParaRPr>
-          </a:p>
-          <a:p>
-            <a:pPr lvl="1">
-              <a:lnSpc>
-                <a:spcPct val="110000"/>
-              </a:lnSpc>
-            </a:pPr>
-            <a:r>
-              <a:rPr lang="en-US" sz="1500" dirty="0">
-                <a:latin typeface="Times New Roman" panose="02020603050405020304" pitchFamily="18" charset="0"/>
-                <a:cs typeface="Times New Roman" panose="02020603050405020304" pitchFamily="18" charset="0"/>
-              </a:rPr>
-              <a:t>[Excel, Word and PowerPoint Tutorials from </a:t>
-            </a:r>
-            <a:r>
-              <a:rPr lang="en-US" sz="1500" dirty="0" err="1">
-                <a:latin typeface="Times New Roman" panose="02020603050405020304" pitchFamily="18" charset="0"/>
-                <a:cs typeface="Times New Roman" panose="02020603050405020304" pitchFamily="18" charset="0"/>
-              </a:rPr>
-              <a:t>Howtech</a:t>
-            </a:r>
-            <a:r>
-              <a:rPr lang="en-US" sz="1500" dirty="0">
-                <a:latin typeface="Times New Roman" panose="02020603050405020304" pitchFamily="18" charset="0"/>
-                <a:cs typeface="Times New Roman" panose="02020603050405020304" pitchFamily="18" charset="0"/>
-              </a:rPr>
-              <a:t>]. </a:t>
-            </a:r>
-            <a:r>
-              <a:rPr lang="en-US" sz="1500" i="1" dirty="0">
-                <a:latin typeface="Times New Roman" panose="02020603050405020304" pitchFamily="18" charset="0"/>
-                <a:cs typeface="Times New Roman" panose="02020603050405020304" pitchFamily="18" charset="0"/>
-              </a:rPr>
-              <a:t>(</a:t>
-            </a:r>
-            <a:r>
-              <a:rPr lang="en-US" sz="1500" dirty="0">
-                <a:latin typeface="Times New Roman" panose="02020603050405020304" pitchFamily="18" charset="0"/>
-                <a:cs typeface="Times New Roman" panose="02020603050405020304" pitchFamily="18" charset="0"/>
-              </a:rPr>
-              <a:t>Aug 8, 2013) How to Use the HLOOKUP Function in Excel. Retrieved from </a:t>
-            </a:r>
-            <a:r>
-              <a:rPr lang="en-US" sz="1500" dirty="0">
-                <a:latin typeface="Times New Roman" panose="02020603050405020304" pitchFamily="18" charset="0"/>
-                <a:cs typeface="Times New Roman" panose="02020603050405020304" pitchFamily="18" charset="0"/>
-                <a:hlinkClick r:id="rId5"/>
-              </a:rPr>
-              <a:t>https://</a:t>
-            </a:r>
-            <a:r>
-              <a:rPr lang="en-US" sz="1500" dirty="0" err="1">
-                <a:latin typeface="Times New Roman" panose="02020603050405020304" pitchFamily="18" charset="0"/>
-                <a:cs typeface="Times New Roman" panose="02020603050405020304" pitchFamily="18" charset="0"/>
-                <a:hlinkClick r:id="rId5"/>
-              </a:rPr>
-              <a:t>www.youtube.com</a:t>
-            </a:r>
-            <a:r>
-              <a:rPr lang="en-US" sz="1500" dirty="0">
-                <a:latin typeface="Times New Roman" panose="02020603050405020304" pitchFamily="18" charset="0"/>
-                <a:cs typeface="Times New Roman" panose="02020603050405020304" pitchFamily="18" charset="0"/>
-                <a:hlinkClick r:id="rId5"/>
-              </a:rPr>
-              <a:t>/</a:t>
-            </a:r>
-            <a:r>
-              <a:rPr lang="en-US" sz="1500" dirty="0" err="1">
-                <a:latin typeface="Times New Roman" panose="02020603050405020304" pitchFamily="18" charset="0"/>
-                <a:cs typeface="Times New Roman" panose="02020603050405020304" pitchFamily="18" charset="0"/>
-                <a:hlinkClick r:id="rId5"/>
-              </a:rPr>
-              <a:t>watch?v</a:t>
-            </a:r>
-            <a:r>
-              <a:rPr lang="en-US" sz="1500" dirty="0">
-                <a:latin typeface="Times New Roman" panose="02020603050405020304" pitchFamily="18" charset="0"/>
-                <a:cs typeface="Times New Roman" panose="02020603050405020304" pitchFamily="18" charset="0"/>
-                <a:hlinkClick r:id="rId5"/>
-              </a:rPr>
-              <a:t>=</a:t>
-            </a:r>
-            <a:r>
-              <a:rPr lang="en-US" sz="1500" dirty="0" err="1">
-                <a:latin typeface="Times New Roman" panose="02020603050405020304" pitchFamily="18" charset="0"/>
-                <a:cs typeface="Times New Roman" panose="02020603050405020304" pitchFamily="18" charset="0"/>
-                <a:hlinkClick r:id="rId5"/>
-              </a:rPr>
-              <a:t>iiu-GtBkAuk</a:t>
-            </a:r>
-            <a:r>
-              <a:rPr lang="en-US" sz="1500" dirty="0">
-                <a:latin typeface="Times New Roman" panose="02020603050405020304" pitchFamily="18" charset="0"/>
-                <a:cs typeface="Times New Roman" panose="02020603050405020304" pitchFamily="18" charset="0"/>
-                <a:hlinkClick r:id="rId5"/>
-              </a:rPr>
-              <a:t> </a:t>
-            </a:r>
-            <a:endParaRPr lang="en-US" sz="1500" dirty="0">
-              <a:latin typeface="Times New Roman" panose="02020603050405020304" pitchFamily="18" charset="0"/>
-              <a:cs typeface="Times New Roman" panose="02020603050405020304" pitchFamily="18" charset="0"/>
-            </a:endParaRPr>
-          </a:p>
-          <a:p>
-            <a:pPr lvl="1">
-              <a:lnSpc>
-                <a:spcPct val="110000"/>
-              </a:lnSpc>
-            </a:pPr>
-            <a:r>
-              <a:rPr lang="en-US" sz="1500" dirty="0">
-                <a:latin typeface="Times New Roman" panose="02020603050405020304" pitchFamily="18" charset="0"/>
-                <a:cs typeface="Times New Roman" panose="02020603050405020304" pitchFamily="18" charset="0"/>
-              </a:rPr>
-              <a:t>[Microsoft]. Create a pivot chart. Referenced From: </a:t>
-            </a:r>
-            <a:r>
-              <a:rPr lang="en-US" sz="1500" u="sng" dirty="0">
-                <a:latin typeface="Times New Roman" panose="02020603050405020304" pitchFamily="18" charset="0"/>
-                <a:cs typeface="Times New Roman" panose="02020603050405020304" pitchFamily="18" charset="0"/>
-                <a:hlinkClick r:id="rId6"/>
-              </a:rPr>
-              <a:t>https://support.office.com/en-us/article/create-a-pivotchart-c1b1e057-6990-4c38-b52b-8255538e7b1c</a:t>
-            </a:r>
-            <a:endParaRPr lang="en-US" sz="1500" dirty="0">
-              <a:latin typeface="Times New Roman" panose="02020603050405020304" pitchFamily="18" charset="0"/>
-              <a:cs typeface="Times New Roman" panose="02020603050405020304" pitchFamily="18" charset="0"/>
-            </a:endParaRPr>
-          </a:p>
-          <a:p>
-            <a:pPr lvl="1">
-              <a:lnSpc>
-                <a:spcPct val="110000"/>
-              </a:lnSpc>
-            </a:pPr>
-            <a:r>
-              <a:rPr lang="en-US" sz="1500" dirty="0">
-                <a:latin typeface="Times New Roman" panose="02020603050405020304" pitchFamily="18" charset="0"/>
-                <a:cs typeface="Times New Roman" panose="02020603050405020304" pitchFamily="18" charset="0"/>
-              </a:rPr>
-              <a:t>[Thierry Tremblay]. (February 14, 2019). What is a Pivot Table?. Referenced From: </a:t>
-            </a:r>
-            <a:r>
-              <a:rPr lang="en-US" sz="1500" u="sng" dirty="0">
-                <a:latin typeface="Times New Roman" panose="02020603050405020304" pitchFamily="18" charset="0"/>
-                <a:cs typeface="Times New Roman" panose="02020603050405020304" pitchFamily="18" charset="0"/>
-                <a:hlinkClick r:id="rId7"/>
-              </a:rPr>
-              <a:t>https://www.kohezion.com/blog/what-is-a-pivot-table-examples-and-uses/</a:t>
-            </a:r>
-            <a:endParaRPr lang="en-US" sz="1500" dirty="0">
-              <a:latin typeface="Times New Roman" panose="02020603050405020304" pitchFamily="18" charset="0"/>
-              <a:cs typeface="Times New Roman" panose="02020603050405020304" pitchFamily="18" charset="0"/>
-            </a:endParaRPr>
-          </a:p>
-          <a:p>
-            <a:pPr lvl="1">
-              <a:lnSpc>
-                <a:spcPct val="110000"/>
-              </a:lnSpc>
-            </a:pPr>
-            <a:r>
-              <a:rPr lang="en-US" sz="1500" dirty="0">
-                <a:latin typeface="Times New Roman" panose="02020603050405020304" pitchFamily="18" charset="0"/>
-                <a:cs typeface="Times New Roman" panose="02020603050405020304" pitchFamily="18" charset="0"/>
-              </a:rPr>
-              <a:t>[MJ Tube].MS Excel: How to Convert Days &amp; Dates into Years Months &amp; Days. Referenced from: </a:t>
-            </a:r>
-            <a:r>
-              <a:rPr lang="en-US" sz="1500" dirty="0">
-                <a:latin typeface="Times New Roman" panose="02020603050405020304" pitchFamily="18" charset="0"/>
-                <a:cs typeface="Times New Roman" panose="02020603050405020304" pitchFamily="18" charset="0"/>
-                <a:hlinkClick r:id="rId8"/>
-              </a:rPr>
-              <a:t>https://</a:t>
-            </a:r>
-            <a:r>
-              <a:rPr lang="en-US" sz="1500" dirty="0" err="1">
-                <a:latin typeface="Times New Roman" panose="02020603050405020304" pitchFamily="18" charset="0"/>
-                <a:cs typeface="Times New Roman" panose="02020603050405020304" pitchFamily="18" charset="0"/>
-                <a:hlinkClick r:id="rId8"/>
-              </a:rPr>
-              <a:t>www.youtube.com</a:t>
-            </a:r>
-            <a:r>
-              <a:rPr lang="en-US" sz="1500" dirty="0">
-                <a:latin typeface="Times New Roman" panose="02020603050405020304" pitchFamily="18" charset="0"/>
-                <a:cs typeface="Times New Roman" panose="02020603050405020304" pitchFamily="18" charset="0"/>
-                <a:hlinkClick r:id="rId8"/>
-              </a:rPr>
-              <a:t>/</a:t>
-            </a:r>
-            <a:r>
-              <a:rPr lang="en-US" sz="1500" dirty="0" err="1">
-                <a:latin typeface="Times New Roman" panose="02020603050405020304" pitchFamily="18" charset="0"/>
-                <a:cs typeface="Times New Roman" panose="02020603050405020304" pitchFamily="18" charset="0"/>
-                <a:hlinkClick r:id="rId8"/>
-              </a:rPr>
-              <a:t>watch?v</a:t>
-            </a:r>
-            <a:r>
-              <a:rPr lang="en-US" sz="1500" dirty="0">
-                <a:latin typeface="Times New Roman" panose="02020603050405020304" pitchFamily="18" charset="0"/>
-                <a:cs typeface="Times New Roman" panose="02020603050405020304" pitchFamily="18" charset="0"/>
-                <a:hlinkClick r:id="rId8"/>
-              </a:rPr>
-              <a:t>=</a:t>
-            </a:r>
-            <a:r>
-              <a:rPr lang="en-US" sz="1500" dirty="0" err="1">
-                <a:latin typeface="Times New Roman" panose="02020603050405020304" pitchFamily="18" charset="0"/>
-                <a:cs typeface="Times New Roman" panose="02020603050405020304" pitchFamily="18" charset="0"/>
-                <a:hlinkClick r:id="rId8"/>
-              </a:rPr>
-              <a:t>LuhiyQPPKHQ</a:t>
-            </a:r>
-            <a:endParaRPr lang="en-US" sz="1500" dirty="0">
-              <a:latin typeface="Times New Roman" panose="02020603050405020304" pitchFamily="18" charset="0"/>
-              <a:cs typeface="Times New Roman" panose="02020603050405020304" pitchFamily="18" charset="0"/>
-            </a:endParaRPr>
-          </a:p>
-          <a:p>
-            <a:pPr lvl="1">
-              <a:lnSpc>
-                <a:spcPct val="110000"/>
-              </a:lnSpc>
+              <a:buNone/>
             </a:pPr>
             <a:endParaRPr lang="en-US" sz="1400" dirty="0">
               <a:latin typeface="Times New Roman" panose="02020603050405020304" pitchFamily="18" charset="0"/>
@@ -4691,7 +4283,7 @@
           <p:nvPr/>
         </p:nvPicPr>
         <p:blipFill>
-          <a:blip r:embed="rId9"/>
+          <a:blip r:embed="rId3"/>
           <a:stretch>
             <a:fillRect/>
           </a:stretch>
@@ -4721,7 +4313,7 @@
           <p:nvPr/>
         </p:nvPicPr>
         <p:blipFill>
-          <a:blip r:embed="rId10"/>
+          <a:blip r:embed="rId4"/>
           <a:stretch>
             <a:fillRect/>
           </a:stretch>
@@ -5382,8 +4974,8 @@
         </p:nvSpPr>
         <p:spPr>
           <a:xfrm>
-            <a:off x="2121049" y="2300764"/>
-            <a:ext cx="7949901" cy="2430451"/>
+            <a:off x="597877" y="2300764"/>
+            <a:ext cx="10990385" cy="3044025"/>
           </a:xfrm>
         </p:spPr>
         <p:txBody>
@@ -5427,7 +5019,7 @@
                 <a:latin typeface="Times New Roman" panose="02020603050405020304" pitchFamily="18" charset="0"/>
                 <a:cs typeface="Times New Roman" panose="02020603050405020304" pitchFamily="18" charset="0"/>
               </a:rPr>
-              <a:t>Recently, US 2020 Elections were held, and the main contestants were Joe Biden from Democratic party and Donald Trump from Republican Party. I wanted to do an analysis on Twitter data to get results of who will be the possible winner of US 2020 Elections.</a:t>
+              <a:t>Forecasting the Presidential Elections has become a trend in Academia. Recently, US 2020 Elections were held, and Joe Biden was declared the winner. I wanted to know if this can be predicted from the twitter data before the election results were declared. The main contestants were Joe Biden from Democratic party and Donald Trump from Republican Party. I wanted to do Sentiment Analysis on Twitter data to get results of who will be the possible winner of US 2020 Elections.</a:t>
             </a:r>
           </a:p>
         </p:txBody>
@@ -5575,156 +5167,50 @@
         </p:spPr>
         <p:txBody>
           <a:bodyPr>
-            <a:normAutofit fontScale="40000" lnSpcReduction="20000"/>
+            <a:normAutofit/>
           </a:bodyPr>
           <a:lstStyle/>
           <a:p>
-            <a:r>
-              <a:rPr lang="en-US" sz="3800" dirty="0">
+            <a:pPr lvl="0">
+              <a:lnSpc>
+                <a:spcPct val="150000"/>
+              </a:lnSpc>
+            </a:pPr>
+            <a:r>
+              <a:rPr lang="en-US" dirty="0">
                 <a:latin typeface="Times New Roman" panose="02020603050405020304" pitchFamily="18" charset="0"/>
                 <a:cs typeface="Times New Roman" panose="02020603050405020304" pitchFamily="18" charset="0"/>
               </a:rPr>
-              <a:t>In this analysis, I have used Zomato Restaurant Data Set.</a:t>
-            </a:r>
-          </a:p>
-          <a:p>
-            <a:pPr marL="0" lvl="0" indent="0">
-              <a:buNone/>
+              <a:t>Is Trump liked more or Biden?</a:t>
+            </a:r>
+          </a:p>
+          <a:p>
+            <a:pPr lvl="0">
+              <a:lnSpc>
+                <a:spcPct val="150000"/>
+              </a:lnSpc>
             </a:pPr>
             <a:r>
-              <a:rPr lang="en-US" sz="4200" dirty="0">
+              <a:rPr lang="en-US" dirty="0">
                 <a:latin typeface="Times New Roman" panose="02020603050405020304" pitchFamily="18" charset="0"/>
                 <a:cs typeface="Times New Roman" panose="02020603050405020304" pitchFamily="18" charset="0"/>
               </a:rPr>
-              <a:t>Here are some Goals that I wanted to find in the analysis:</a:t>
-            </a:r>
-          </a:p>
-          <a:p>
-            <a:pPr lvl="0"/>
-            <a:r>
-              <a:rPr lang="en-US" sz="3800" dirty="0">
+              <a:t>Trump vs Biden Tweet count in India?</a:t>
+            </a:r>
+          </a:p>
+          <a:p>
+            <a:pPr lvl="0">
+              <a:lnSpc>
+                <a:spcPct val="150000"/>
+              </a:lnSpc>
+            </a:pPr>
+            <a:r>
+              <a:rPr lang="en-US" dirty="0">
                 <a:latin typeface="Times New Roman" panose="02020603050405020304" pitchFamily="18" charset="0"/>
                 <a:cs typeface="Times New Roman" panose="02020603050405020304" pitchFamily="18" charset="0"/>
               </a:rPr>
-              <a:t>How many Zomato restaurants are there in each country?</a:t>
-            </a:r>
-          </a:p>
-          <a:p>
-            <a:pPr lvl="0"/>
-            <a:r>
-              <a:rPr lang="en-US" sz="3800" dirty="0">
-                <a:latin typeface="Times New Roman" panose="02020603050405020304" pitchFamily="18" charset="0"/>
-                <a:cs typeface="Times New Roman" panose="02020603050405020304" pitchFamily="18" charset="0"/>
-              </a:rPr>
-              <a:t>Finding out count of Zomato restaurants in each Country with specific ratings?</a:t>
-            </a:r>
-          </a:p>
-          <a:p>
-            <a:pPr lvl="0"/>
-            <a:r>
-              <a:rPr lang="en-US" sz="3800" dirty="0">
-                <a:latin typeface="Times New Roman" panose="02020603050405020304" pitchFamily="18" charset="0"/>
-                <a:cs typeface="Times New Roman" panose="02020603050405020304" pitchFamily="18" charset="0"/>
-              </a:rPr>
-              <a:t>Which Restaurant provides Indian Cuisine?</a:t>
-            </a:r>
-          </a:p>
-          <a:p>
-            <a:pPr lvl="0"/>
-            <a:r>
-              <a:rPr lang="en-US" sz="3800" dirty="0">
-                <a:latin typeface="Times New Roman" panose="02020603050405020304" pitchFamily="18" charset="0"/>
-                <a:cs typeface="Times New Roman" panose="02020603050405020304" pitchFamily="18" charset="0"/>
-              </a:rPr>
-              <a:t>What are the restaurants that are present near to me with 5-star rating?</a:t>
-            </a:r>
-          </a:p>
-          <a:p>
-            <a:pPr lvl="0"/>
-            <a:r>
-              <a:rPr lang="en-US" sz="3800" dirty="0">
-                <a:latin typeface="Times New Roman" panose="02020603050405020304" pitchFamily="18" charset="0"/>
-                <a:cs typeface="Times New Roman" panose="02020603050405020304" pitchFamily="18" charset="0"/>
-              </a:rPr>
-              <a:t>Which restaurant provides online delivery options near me with 5-star rating and minimum average cost per two?</a:t>
-            </a:r>
-          </a:p>
-          <a:p>
-            <a:pPr lvl="0"/>
-            <a:r>
-              <a:rPr lang="en-US" sz="3800" dirty="0">
-                <a:latin typeface="Times New Roman" panose="02020603050405020304" pitchFamily="18" charset="0"/>
-                <a:cs typeface="Times New Roman" panose="02020603050405020304" pitchFamily="18" charset="0"/>
-              </a:rPr>
-              <a:t>Which city has best Chinese cuisine in India?</a:t>
-            </a:r>
-          </a:p>
-          <a:p>
-            <a:pPr lvl="0"/>
-            <a:r>
-              <a:rPr lang="en-US" sz="3800" dirty="0">
-                <a:latin typeface="Times New Roman" panose="02020603050405020304" pitchFamily="18" charset="0"/>
-                <a:cs typeface="Times New Roman" panose="02020603050405020304" pitchFamily="18" charset="0"/>
-              </a:rPr>
-              <a:t>Check whether Barbeque nation has Table booking option or not?</a:t>
-            </a:r>
-          </a:p>
-          <a:p>
-            <a:pPr lvl="0"/>
-            <a:r>
-              <a:rPr lang="en-US" sz="3800" dirty="0">
-                <a:latin typeface="Times New Roman" panose="02020603050405020304" pitchFamily="18" charset="0"/>
-                <a:cs typeface="Times New Roman" panose="02020603050405020304" pitchFamily="18" charset="0"/>
-              </a:rPr>
-              <a:t>To check if a restaurant has multiple branches in other countries?</a:t>
-            </a:r>
-          </a:p>
-          <a:p>
-            <a:pPr lvl="0"/>
-            <a:r>
-              <a:rPr lang="en-US" sz="3800" dirty="0">
-                <a:latin typeface="Times New Roman" panose="02020603050405020304" pitchFamily="18" charset="0"/>
-                <a:cs typeface="Times New Roman" panose="02020603050405020304" pitchFamily="18" charset="0"/>
-              </a:rPr>
-              <a:t>Check the popularity of each restaurant branches in all countries or states?</a:t>
-            </a:r>
-          </a:p>
-          <a:p>
-            <a:pPr lvl="0"/>
-            <a:r>
-              <a:rPr lang="en-US" sz="3800" dirty="0">
-                <a:latin typeface="Times New Roman" panose="02020603050405020304" pitchFamily="18" charset="0"/>
-                <a:cs typeface="Times New Roman" panose="02020603050405020304" pitchFamily="18" charset="0"/>
-              </a:rPr>
-              <a:t>What are the restaurants near me with table booking, online delivery options, order menu, having reasonable cost and having highest rating?</a:t>
-            </a:r>
-          </a:p>
-          <a:p>
-            <a:pPr lvl="0"/>
-            <a:r>
-              <a:rPr lang="en-US" sz="3800" dirty="0">
-                <a:latin typeface="Times New Roman" panose="02020603050405020304" pitchFamily="18" charset="0"/>
-                <a:cs typeface="Times New Roman" panose="02020603050405020304" pitchFamily="18" charset="0"/>
-              </a:rPr>
-              <a:t>How many restaurants have less than 1 year of age?</a:t>
-            </a:r>
-          </a:p>
-          <a:p>
-            <a:pPr lvl="0"/>
-            <a:r>
-              <a:rPr lang="en-US" sz="3800" dirty="0">
-                <a:latin typeface="Times New Roman" panose="02020603050405020304" pitchFamily="18" charset="0"/>
-                <a:cs typeface="Times New Roman" panose="02020603050405020304" pitchFamily="18" charset="0"/>
-              </a:rPr>
-              <a:t>Which restaurant is the oldest, if there are more than two, then how many restaurants provide reasonable price too with more rating?</a:t>
-            </a:r>
-          </a:p>
-          <a:p>
-            <a:pPr lvl="0"/>
-            <a:endParaRPr lang="en-US" sz="3600" dirty="0">
-              <a:latin typeface="Times New Roman" panose="02020603050405020304" pitchFamily="18" charset="0"/>
-              <a:cs typeface="Times New Roman" panose="02020603050405020304" pitchFamily="18" charset="0"/>
-            </a:endParaRPr>
+              <a:t>Trump or Biden, who has more positive tweets?</a:t>
+            </a:r>
           </a:p>
           <a:p>
             <a:pPr marL="457200" lvl="1" indent="0">
@@ -5848,7 +5334,7 @@
                 <a:latin typeface="Times New Roman" panose="02020603050405020304" pitchFamily="18" charset="0"/>
                 <a:cs typeface="Times New Roman" panose="02020603050405020304" pitchFamily="18" charset="0"/>
               </a:rPr>
-              <a:t>Introduction</a:t>
+              <a:t>Problem</a:t>
             </a:r>
             <a:endParaRPr lang="en-US" dirty="0">
               <a:latin typeface="Times New Roman" panose="02020603050405020304" pitchFamily="18" charset="0"/>
@@ -5934,176 +5420,43 @@
         </p:nvSpPr>
         <p:spPr>
           <a:xfrm>
-            <a:off x="801789" y="1431993"/>
-            <a:ext cx="10677965" cy="3933057"/>
+            <a:off x="562709" y="966734"/>
+            <a:ext cx="11402560" cy="5050015"/>
           </a:xfrm>
         </p:spPr>
         <p:txBody>
           <a:bodyPr>
-            <a:normAutofit/>
+            <a:noAutofit/>
           </a:bodyPr>
           <a:lstStyle/>
           <a:p>
-            <a:pPr lvl="1">
+            <a:pPr marL="0" lvl="0" indent="0">
               <a:lnSpc>
-                <a:spcPct val="110000"/>
+                <a:spcPct val="150000"/>
               </a:lnSpc>
+              <a:buNone/>
             </a:pPr>
             <a:r>
-              <a:rPr lang="en-US" sz="1500" dirty="0">
+              <a:rPr lang="en-US" sz="2400" dirty="0">
                 <a:latin typeface="Times New Roman" panose="02020603050405020304" pitchFamily="18" charset="0"/>
                 <a:cs typeface="Times New Roman" panose="02020603050405020304" pitchFamily="18" charset="0"/>
               </a:rPr>
-              <a:t>Zomato Restaurant Data Set was collected by Shruthi Mehta in the year 2017.</a:t>
-            </a:r>
-          </a:p>
-          <a:p>
-            <a:pPr lvl="1">
-              <a:lnSpc>
-                <a:spcPct val="110000"/>
-              </a:lnSpc>
-            </a:pPr>
-            <a:r>
-              <a:rPr lang="en-US" sz="1500" dirty="0">
+              <a:t>In last decade, there was a steady increase in data mining and finding out the opinions in text data very much. This particular opinion data from Twitter is used for stock market prediction and also for analyzing Social movements across United states and many other countries. </a:t>
+            </a:r>
+            <a:r>
+              <a:rPr lang="en-US" sz="2400" dirty="0" err="1">
                 <a:latin typeface="Times New Roman" panose="02020603050405020304" pitchFamily="18" charset="0"/>
                 <a:cs typeface="Times New Roman" panose="02020603050405020304" pitchFamily="18" charset="0"/>
               </a:rPr>
-              <a:t>There is a total of </a:t>
-            </a:r>
-            <a:r>
-              <a:rPr lang="en-US" sz="1500" b="1" dirty="0">
+              <a:t>Tumasjan</a:t>
+            </a:r>
+            <a:r>
+              <a:rPr lang="en-US" sz="2400" dirty="0">
                 <a:latin typeface="Times New Roman" panose="02020603050405020304" pitchFamily="18" charset="0"/>
                 <a:cs typeface="Times New Roman" panose="02020603050405020304" pitchFamily="18" charset="0"/>
               </a:rPr>
-              <a:t>9551 Records </a:t>
-            </a:r>
-            <a:r>
-              <a:rPr lang="en-US" sz="1500" dirty="0">
-                <a:latin typeface="Times New Roman" panose="02020603050405020304" pitchFamily="18" charset="0"/>
-                <a:cs typeface="Times New Roman" panose="02020603050405020304" pitchFamily="18" charset="0"/>
-              </a:rPr>
-              <a:t>and </a:t>
-            </a:r>
-            <a:r>
-              <a:rPr lang="en-US" sz="1500" b="1" dirty="0">
-                <a:latin typeface="Times New Roman" panose="02020603050405020304" pitchFamily="18" charset="0"/>
-                <a:cs typeface="Times New Roman" panose="02020603050405020304" pitchFamily="18" charset="0"/>
-              </a:rPr>
-              <a:t>22 columns </a:t>
-            </a:r>
-            <a:r>
-              <a:rPr lang="en-US" sz="1500" dirty="0">
-                <a:latin typeface="Times New Roman" panose="02020603050405020304" pitchFamily="18" charset="0"/>
-                <a:cs typeface="Times New Roman" panose="02020603050405020304" pitchFamily="18" charset="0"/>
-              </a:rPr>
-              <a:t>in the Zomato Restaurant Data Set.</a:t>
-            </a:r>
-          </a:p>
-          <a:p>
-            <a:pPr lvl="1">
-              <a:lnSpc>
-                <a:spcPct val="110000"/>
-              </a:lnSpc>
-            </a:pPr>
-            <a:r>
-              <a:rPr lang="en-US" sz="1500" dirty="0">
-                <a:latin typeface="Times New Roman" panose="02020603050405020304" pitchFamily="18" charset="0"/>
-                <a:cs typeface="Times New Roman" panose="02020603050405020304" pitchFamily="18" charset="0"/>
-              </a:rPr>
-              <a:t>Number of </a:t>
-            </a:r>
-            <a:r>
-              <a:rPr lang="en-US" sz="1500" b="1" dirty="0">
-                <a:latin typeface="Times New Roman" panose="02020603050405020304" pitchFamily="18" charset="0"/>
-                <a:cs typeface="Times New Roman" panose="02020603050405020304" pitchFamily="18" charset="0"/>
-              </a:rPr>
-              <a:t>Data Types </a:t>
-            </a:r>
-            <a:r>
-              <a:rPr lang="en-US" sz="1500" dirty="0">
-                <a:latin typeface="Times New Roman" panose="02020603050405020304" pitchFamily="18" charset="0"/>
-                <a:cs typeface="Times New Roman" panose="02020603050405020304" pitchFamily="18" charset="0"/>
-              </a:rPr>
-              <a:t>that are present are:</a:t>
-            </a:r>
-          </a:p>
-          <a:p>
-            <a:pPr marL="457200" lvl="1" indent="0">
-              <a:lnSpc>
-                <a:spcPct val="110000"/>
-              </a:lnSpc>
-              <a:buNone/>
-            </a:pPr>
-            <a:r>
-              <a:rPr lang="en-US" sz="1500" dirty="0">
-                <a:latin typeface="Times New Roman" panose="02020603050405020304" pitchFamily="18" charset="0"/>
-                <a:cs typeface="Times New Roman" panose="02020603050405020304" pitchFamily="18" charset="0"/>
-              </a:rPr>
-              <a:t>      1. float        =      3</a:t>
-            </a:r>
-          </a:p>
-          <a:p>
-            <a:pPr marL="457200" lvl="1" indent="0">
-              <a:lnSpc>
-                <a:spcPct val="110000"/>
-              </a:lnSpc>
-              <a:buNone/>
-            </a:pPr>
-            <a:r>
-              <a:rPr lang="en-US" sz="1500" dirty="0">
-                <a:latin typeface="Times New Roman" panose="02020603050405020304" pitchFamily="18" charset="0"/>
-                <a:cs typeface="Times New Roman" panose="02020603050405020304" pitchFamily="18" charset="0"/>
-              </a:rPr>
-              <a:t>      2. Integer    =      5</a:t>
-            </a:r>
-          </a:p>
-          <a:p>
-            <a:pPr marL="457200" lvl="1" indent="0">
-              <a:lnSpc>
-                <a:spcPct val="110000"/>
-              </a:lnSpc>
-              <a:buNone/>
-            </a:pPr>
-            <a:r>
-              <a:rPr lang="en-US" sz="1500" dirty="0">
-                <a:latin typeface="Times New Roman" panose="02020603050405020304" pitchFamily="18" charset="0"/>
-                <a:cs typeface="Times New Roman" panose="02020603050405020304" pitchFamily="18" charset="0"/>
-              </a:rPr>
-              <a:t>      3. object      =     14</a:t>
-            </a:r>
-          </a:p>
-          <a:p>
-            <a:pPr lvl="1">
-              <a:lnSpc>
-                <a:spcPct val="110000"/>
-              </a:lnSpc>
-            </a:pPr>
-            <a:r>
-              <a:rPr lang="en-US" sz="1500" b="1" dirty="0">
-                <a:latin typeface="Times New Roman" panose="02020603050405020304" pitchFamily="18" charset="0"/>
-                <a:cs typeface="Times New Roman" panose="02020603050405020304" pitchFamily="18" charset="0"/>
-              </a:rPr>
-              <a:t>Data Source </a:t>
-            </a:r>
-            <a:r>
-              <a:rPr lang="en-US" sz="1500" dirty="0">
-                <a:latin typeface="Times New Roman" panose="02020603050405020304" pitchFamily="18" charset="0"/>
-                <a:cs typeface="Times New Roman" panose="02020603050405020304" pitchFamily="18" charset="0"/>
-              </a:rPr>
-              <a:t>:  </a:t>
-            </a:r>
-            <a:r>
-              <a:rPr lang="en-US" sz="1500" dirty="0">
-                <a:latin typeface="Times New Roman" panose="02020603050405020304" pitchFamily="18" charset="0"/>
-                <a:cs typeface="Times New Roman" panose="02020603050405020304" pitchFamily="18" charset="0"/>
-                <a:hlinkClick r:id="rId2"/>
-              </a:rPr>
-              <a:t>https://www.kaggle.com/shrutimehta/zomato-restaurants-data</a:t>
-            </a:r>
-            <a:endParaRPr lang="en-US" sz="1500" dirty="0">
-              <a:latin typeface="Times New Roman" panose="02020603050405020304" pitchFamily="18" charset="0"/>
-              <a:cs typeface="Times New Roman" panose="02020603050405020304" pitchFamily="18" charset="0"/>
-            </a:endParaRPr>
+              <a:t> (2010) found tweet volume about the political parties to be a good predictor for the outcome of the 2009 German election, while Choy et al. (2011) failed to predict with Twitter sentiment the ranking of the four candidates in Singapore’s 2011 presidential election. Now, I am using data from Kaggle, which has lots of Noise in it like Punctuation, Symbols, Uppercase letters, Stop words, numbers and links. This will be a challenge for me.</a:t>
+            </a:r>
           </a:p>
         </p:txBody>
       </p:sp>
@@ -6113,6 +5466,36 @@
             <a:extLst>
               <a:ext uri="{FF2B5EF4-FFF2-40B4-BE49-F238E27FC236}">
                 <a16:creationId xmlns:a16="http://schemas.microsoft.com/office/drawing/2014/main" id="{ECB6D677-D81E-484B-BFB8-CF94D1CE1711}"/>
+              </a:ext>
+            </a:extLst>
+          </p:cNvPr>
+          <p:cNvPicPr>
+            <a:picLocks noChangeAspect="1"/>
+          </p:cNvPicPr>
+          <p:nvPr/>
+        </p:nvPicPr>
+        <p:blipFill>
+          <a:blip r:embed="rId2"/>
+          <a:stretch>
+            <a:fillRect/>
+          </a:stretch>
+        </p:blipFill>
+        <p:spPr>
+          <a:xfrm>
+            <a:off x="9606580" y="6329398"/>
+            <a:ext cx="2358689" cy="113868"/>
+          </a:xfrm>
+          <a:prstGeom prst="rect">
+            <a:avLst/>
+          </a:prstGeom>
+        </p:spPr>
+      </p:pic>
+      <p:pic>
+        <p:nvPicPr>
+          <p:cNvPr id="11" name="Picture 10">
+            <a:extLst>
+              <a:ext uri="{FF2B5EF4-FFF2-40B4-BE49-F238E27FC236}">
+                <a16:creationId xmlns:a16="http://schemas.microsoft.com/office/drawing/2014/main" id="{A9B30FB0-FF45-D042-89A3-79367CD4EE43}"/>
               </a:ext>
             </a:extLst>
           </p:cNvPr>
@@ -6129,44 +5512,14 @@
         </p:blipFill>
         <p:spPr>
           <a:xfrm>
-            <a:off x="9606580" y="6329398"/>
-            <a:ext cx="2358689" cy="113868"/>
+            <a:off x="231962" y="6016749"/>
+            <a:ext cx="1599045" cy="685305"/>
           </a:xfrm>
           <a:prstGeom prst="rect">
             <a:avLst/>
           </a:prstGeom>
         </p:spPr>
       </p:pic>
-      <p:pic>
-        <p:nvPicPr>
-          <p:cNvPr id="11" name="Picture 10">
-            <a:extLst>
-              <a:ext uri="{FF2B5EF4-FFF2-40B4-BE49-F238E27FC236}">
-                <a16:creationId xmlns:a16="http://schemas.microsoft.com/office/drawing/2014/main" id="{A9B30FB0-FF45-D042-89A3-79367CD4EE43}"/>
-              </a:ext>
-            </a:extLst>
-          </p:cNvPr>
-          <p:cNvPicPr>
-            <a:picLocks noChangeAspect="1"/>
-          </p:cNvPicPr>
-          <p:nvPr/>
-        </p:nvPicPr>
-        <p:blipFill>
-          <a:blip r:embed="rId4"/>
-          <a:stretch>
-            <a:fillRect/>
-          </a:stretch>
-        </p:blipFill>
-        <p:spPr>
-          <a:xfrm>
-            <a:off x="231962" y="6016749"/>
-            <a:ext cx="1599045" cy="685305"/>
-          </a:xfrm>
-          <a:prstGeom prst="rect">
-            <a:avLst/>
-          </a:prstGeom>
-        </p:spPr>
-      </p:pic>
       <p:sp>
         <p:nvSpPr>
           <p:cNvPr id="7" name="Title 1">
@@ -6185,7 +5538,7 @@
         </p:nvSpPr>
         <p:spPr>
           <a:xfrm>
-            <a:off x="801789" y="365125"/>
+            <a:off x="675835" y="249748"/>
             <a:ext cx="10677965" cy="754769"/>
           </a:xfrm>
         </p:spPr>
@@ -6203,7 +5556,7 @@
                 <a:latin typeface="Times New Roman" panose="02020603050405020304" pitchFamily="18" charset="0"/>
                 <a:cs typeface="Times New Roman" panose="02020603050405020304" pitchFamily="18" charset="0"/>
               </a:rPr>
-              <a:t>Data Set</a:t>
+              <a:t>Motivation</a:t>
             </a:r>
             <a:endParaRPr lang="en-US" dirty="0">
               <a:latin typeface="Times New Roman" panose="02020603050405020304" pitchFamily="18" charset="0"/>
@@ -6244,7 +5597,7 @@
     </p:spTree>
     <p:extLst>
       <p:ext uri="{BB962C8B-B14F-4D97-AF65-F5344CB8AC3E}">
-        <p14:creationId xmlns:p14="http://schemas.microsoft.com/office/powerpoint/2010/main" val="2969068336"/>
+        <p14:creationId xmlns:p14="http://schemas.microsoft.com/office/powerpoint/2010/main" val="2013698092"/>
       </p:ext>
     </p:extLst>
   </p:cSld>
@@ -6289,388 +5642,379 @@
         </p:nvSpPr>
         <p:spPr>
           <a:xfrm>
-            <a:off x="801789" y="1119894"/>
-            <a:ext cx="10677965" cy="5102776"/>
+            <a:off x="1983179" y="885371"/>
+            <a:ext cx="9496575" cy="5972629"/>
           </a:xfrm>
         </p:spPr>
         <p:txBody>
           <a:bodyPr>
-            <a:normAutofit fontScale="40000" lnSpcReduction="20000"/>
+            <a:normAutofit fontScale="25000" lnSpcReduction="20000"/>
           </a:bodyPr>
           <a:lstStyle/>
           <a:p>
-            <a:pPr marL="457200" lvl="1" indent="0">
-              <a:lnSpc>
-                <a:spcPct val="110000"/>
-              </a:lnSpc>
-              <a:buNone/>
-            </a:pPr>
-            <a:r>
-              <a:rPr lang="en-US" b="1" dirty="0">
+            <a:pPr fontAlgn="base"/>
+            <a:endParaRPr lang="en-US" dirty="0"/>
+          </a:p>
+          <a:p>
+            <a:pPr fontAlgn="base"/>
+            <a:r>
+              <a:rPr lang="en-US" sz="5600" dirty="0" err="1">
                 <a:latin typeface="Times New Roman" panose="02020603050405020304" pitchFamily="18" charset="0"/>
                 <a:cs typeface="Times New Roman" panose="02020603050405020304" pitchFamily="18" charset="0"/>
               </a:rPr>
-              <a:t>    Column</a:t>
-            </a:r>
-            <a:r>
-              <a:rPr lang="en-US" dirty="0">
+              <a:t>tweet_id</a:t>
+            </a:r>
+            <a:r>
+              <a:rPr lang="en-US" sz="5600" dirty="0">
                 <a:latin typeface="Times New Roman" panose="02020603050405020304" pitchFamily="18" charset="0"/>
                 <a:cs typeface="Times New Roman" panose="02020603050405020304" pitchFamily="18" charset="0"/>
               </a:rPr>
-              <a:t>	</a:t>
-            </a:r>
-            <a:r>
-              <a:rPr lang="en-US" b="1" dirty="0">
+              <a:t>: Unique ID of the tweet</a:t>
+            </a:r>
+          </a:p>
+          <a:p>
+            <a:pPr fontAlgn="base"/>
+            <a:r>
+              <a:rPr lang="en-US" sz="5600" dirty="0">
                 <a:latin typeface="Times New Roman" panose="02020603050405020304" pitchFamily="18" charset="0"/>
                 <a:cs typeface="Times New Roman" panose="02020603050405020304" pitchFamily="18" charset="0"/>
               </a:rPr>
-              <a:t>        Description</a:t>
-            </a:r>
-          </a:p>
-          <a:p>
-            <a:pPr marL="457200" lvl="1" indent="0">
-              <a:lnSpc>
-                <a:spcPct val="110000"/>
-              </a:lnSpc>
-              <a:buNone/>
-            </a:pPr>
-            <a:r>
-              <a:rPr lang="en-US" dirty="0">
+              <a:t>tweet: Full tweet text</a:t>
+            </a:r>
+          </a:p>
+          <a:p>
+            <a:pPr fontAlgn="base"/>
+            <a:r>
+              <a:rPr lang="en-US" sz="5600" dirty="0">
                 <a:latin typeface="Times New Roman" panose="02020603050405020304" pitchFamily="18" charset="0"/>
                 <a:cs typeface="Times New Roman" panose="02020603050405020304" pitchFamily="18" charset="0"/>
               </a:rPr>
-              <a:t>1. Restaurant ID	         Identification Number</a:t>
-            </a:r>
-          </a:p>
-          <a:p>
-            <a:pPr marL="457200" lvl="1" indent="0">
-              <a:lnSpc>
-                <a:spcPct val="110000"/>
-              </a:lnSpc>
-              <a:buNone/>
-            </a:pPr>
-            <a:r>
-              <a:rPr lang="en-US" dirty="0">
+              <a:t>likes: Number of likes</a:t>
+            </a:r>
+          </a:p>
+          <a:p>
+            <a:pPr fontAlgn="base"/>
+            <a:r>
+              <a:rPr lang="en-US" sz="5600" dirty="0" err="1">
                 <a:latin typeface="Times New Roman" panose="02020603050405020304" pitchFamily="18" charset="0"/>
                 <a:cs typeface="Times New Roman" panose="02020603050405020304" pitchFamily="18" charset="0"/>
               </a:rPr>
-              <a:t>2. Restaurant Name	         Name Of the Restaurant</a:t>
-            </a:r>
-          </a:p>
-          <a:p>
-            <a:pPr marL="457200" lvl="1" indent="0">
-              <a:lnSpc>
-                <a:spcPct val="110000"/>
-              </a:lnSpc>
-              <a:buNone/>
-            </a:pPr>
-            <a:r>
-              <a:rPr lang="en-US" dirty="0">
+              <a:t>retweet_count</a:t>
+            </a:r>
+            <a:r>
+              <a:rPr lang="en-US" sz="5600" dirty="0">
                 <a:latin typeface="Times New Roman" panose="02020603050405020304" pitchFamily="18" charset="0"/>
                 <a:cs typeface="Times New Roman" panose="02020603050405020304" pitchFamily="18" charset="0"/>
               </a:rPr>
-              <a:t>3. Country Code	         Country Code</a:t>
-            </a:r>
-          </a:p>
-          <a:p>
-            <a:pPr marL="457200" lvl="1" indent="0">
-              <a:lnSpc>
-                <a:spcPct val="110000"/>
-              </a:lnSpc>
-              <a:buNone/>
-            </a:pPr>
-            <a:r>
-              <a:rPr lang="en-US" dirty="0">
+              <a:t>: Number of retweets</a:t>
+            </a:r>
+          </a:p>
+          <a:p>
+            <a:pPr fontAlgn="base"/>
+            <a:r>
+              <a:rPr lang="en-US" sz="5600" dirty="0">
                 <a:latin typeface="Times New Roman" panose="02020603050405020304" pitchFamily="18" charset="0"/>
                 <a:cs typeface="Times New Roman" panose="02020603050405020304" pitchFamily="18" charset="0"/>
               </a:rPr>
-              <a:t>4. City	                                       City Name of the Restaurant</a:t>
-            </a:r>
-          </a:p>
-          <a:p>
-            <a:pPr marL="457200" lvl="1" indent="0">
-              <a:lnSpc>
-                <a:spcPct val="110000"/>
-              </a:lnSpc>
-              <a:buNone/>
-            </a:pPr>
-            <a:r>
-              <a:rPr lang="en-US" dirty="0">
+              <a:t>source: Utility used to post tweet</a:t>
+            </a:r>
+          </a:p>
+          <a:p>
+            <a:pPr fontAlgn="base"/>
+            <a:r>
+              <a:rPr lang="en-US" sz="5600" dirty="0" err="1">
                 <a:latin typeface="Times New Roman" panose="02020603050405020304" pitchFamily="18" charset="0"/>
                 <a:cs typeface="Times New Roman" panose="02020603050405020304" pitchFamily="18" charset="0"/>
               </a:rPr>
-              <a:t>5. Address	          Address</a:t>
-            </a:r>
-          </a:p>
-          <a:p>
-            <a:pPr marL="457200" lvl="1" indent="0">
-              <a:lnSpc>
-                <a:spcPct val="110000"/>
-              </a:lnSpc>
-              <a:buNone/>
-            </a:pPr>
-            <a:r>
-              <a:rPr lang="en-US" dirty="0">
+              <a:t>user_id</a:t>
+            </a:r>
+            <a:r>
+              <a:rPr lang="en-US" sz="5600" dirty="0">
                 <a:latin typeface="Times New Roman" panose="02020603050405020304" pitchFamily="18" charset="0"/>
                 <a:cs typeface="Times New Roman" panose="02020603050405020304" pitchFamily="18" charset="0"/>
               </a:rPr>
-              <a:t>6. Locality	          Shot Address Of the Restaurant</a:t>
-            </a:r>
-          </a:p>
-          <a:p>
-            <a:pPr marL="457200" lvl="1" indent="0">
-              <a:lnSpc>
-                <a:spcPct val="110000"/>
-              </a:lnSpc>
-              <a:buNone/>
-            </a:pPr>
-            <a:r>
-              <a:rPr lang="en-US" dirty="0">
+              <a:t>: User ID of tweet creator</a:t>
+            </a:r>
+          </a:p>
+          <a:p>
+            <a:pPr fontAlgn="base"/>
+            <a:r>
+              <a:rPr lang="en-US" sz="5600" dirty="0" err="1">
                 <a:latin typeface="Times New Roman" panose="02020603050405020304" pitchFamily="18" charset="0"/>
                 <a:cs typeface="Times New Roman" panose="02020603050405020304" pitchFamily="18" charset="0"/>
               </a:rPr>
-              <a:t>7. Locality Verbose	          Long Address of the Restaurant</a:t>
-            </a:r>
-          </a:p>
-          <a:p>
-            <a:pPr marL="457200" lvl="1" indent="0">
-              <a:lnSpc>
-                <a:spcPct val="110000"/>
-              </a:lnSpc>
-              <a:buNone/>
-            </a:pPr>
-            <a:r>
-              <a:rPr lang="en-US" dirty="0">
+              <a:t>user_name</a:t>
+            </a:r>
+            <a:r>
+              <a:rPr lang="en-US" sz="5600" dirty="0">
                 <a:latin typeface="Times New Roman" panose="02020603050405020304" pitchFamily="18" charset="0"/>
                 <a:cs typeface="Times New Roman" panose="02020603050405020304" pitchFamily="18" charset="0"/>
               </a:rPr>
-              <a:t>8. Longitude	          Longitude</a:t>
-            </a:r>
-          </a:p>
-          <a:p>
-            <a:pPr marL="457200" lvl="1" indent="0">
-              <a:lnSpc>
-                <a:spcPct val="110000"/>
-              </a:lnSpc>
-              <a:buNone/>
-            </a:pPr>
-            <a:r>
-              <a:rPr lang="en-US" dirty="0">
+              <a:t>: Username of tweet creator</a:t>
+            </a:r>
+          </a:p>
+          <a:p>
+            <a:pPr fontAlgn="base"/>
+            <a:r>
+              <a:rPr lang="en-US" sz="5600" dirty="0" err="1">
                 <a:latin typeface="Times New Roman" panose="02020603050405020304" pitchFamily="18" charset="0"/>
                 <a:cs typeface="Times New Roman" panose="02020603050405020304" pitchFamily="18" charset="0"/>
               </a:rPr>
-              <a:t>9. Latitude	          Latitude</a:t>
-            </a:r>
-          </a:p>
-          <a:p>
-            <a:pPr marL="457200" lvl="1" indent="0">
-              <a:lnSpc>
-                <a:spcPct val="110000"/>
-              </a:lnSpc>
-              <a:buNone/>
-            </a:pPr>
-            <a:r>
-              <a:rPr lang="en-US" dirty="0">
+              <a:t>user_screen_name</a:t>
+            </a:r>
+            <a:r>
+              <a:rPr lang="en-US" sz="5600" dirty="0">
                 <a:latin typeface="Times New Roman" panose="02020603050405020304" pitchFamily="18" charset="0"/>
                 <a:cs typeface="Times New Roman" panose="02020603050405020304" pitchFamily="18" charset="0"/>
               </a:rPr>
-              <a:t>10. Cuisines	          Types Of Cuisines Served</a:t>
-            </a:r>
-          </a:p>
-          <a:p>
-            <a:pPr marL="457200" lvl="1" indent="0">
-              <a:lnSpc>
-                <a:spcPct val="110000"/>
-              </a:lnSpc>
-              <a:buNone/>
-            </a:pPr>
-            <a:r>
-              <a:rPr lang="en-US" dirty="0">
+              <a:t>: Screen name of tweet creator</a:t>
+            </a:r>
+          </a:p>
+          <a:p>
+            <a:pPr fontAlgn="base"/>
+            <a:r>
+              <a:rPr lang="en-US" sz="5600" dirty="0" err="1">
                 <a:latin typeface="Times New Roman" panose="02020603050405020304" pitchFamily="18" charset="0"/>
                 <a:cs typeface="Times New Roman" panose="02020603050405020304" pitchFamily="18" charset="0"/>
               </a:rPr>
-              <a:t>11. Average Cost for two.            Average Cost if two people visit the Restaurant</a:t>
-            </a:r>
-          </a:p>
-          <a:p>
-            <a:pPr marL="457200" lvl="1" indent="0">
-              <a:lnSpc>
-                <a:spcPct val="110000"/>
-              </a:lnSpc>
-              <a:buNone/>
-            </a:pPr>
-            <a:r>
-              <a:rPr lang="en-US" dirty="0">
+              <a:t>user_description</a:t>
+            </a:r>
+            <a:r>
+              <a:rPr lang="en-US" sz="5600" dirty="0">
                 <a:latin typeface="Times New Roman" panose="02020603050405020304" pitchFamily="18" charset="0"/>
                 <a:cs typeface="Times New Roman" panose="02020603050405020304" pitchFamily="18" charset="0"/>
               </a:rPr>
-              <a:t>12. Currency	          Dollars</a:t>
-            </a:r>
-          </a:p>
-          <a:p>
-            <a:pPr marL="457200" lvl="1" indent="0">
-              <a:lnSpc>
-                <a:spcPct val="110000"/>
-              </a:lnSpc>
-              <a:buNone/>
-            </a:pPr>
-            <a:r>
-              <a:rPr lang="en-US" dirty="0">
+              <a:t>: Description of self by tweet creator</a:t>
+            </a:r>
+          </a:p>
+          <a:p>
+            <a:pPr fontAlgn="base"/>
+            <a:r>
+              <a:rPr lang="en-US" sz="5600" dirty="0" err="1">
                 <a:latin typeface="Times New Roman" panose="02020603050405020304" pitchFamily="18" charset="0"/>
                 <a:cs typeface="Times New Roman" panose="02020603050405020304" pitchFamily="18" charset="0"/>
               </a:rPr>
-              <a:t>13. Has Table booking	          Can we book tables in Restaurant? Yes/No</a:t>
-            </a:r>
-          </a:p>
-          <a:p>
-            <a:pPr marL="457200" lvl="1" indent="0">
-              <a:lnSpc>
-                <a:spcPct val="110000"/>
-              </a:lnSpc>
-              <a:buNone/>
-            </a:pPr>
-            <a:r>
-              <a:rPr lang="en-US" dirty="0">
+              <a:t>user_join_date</a:t>
+            </a:r>
+            <a:r>
+              <a:rPr lang="en-US" sz="5600" dirty="0">
                 <a:latin typeface="Times New Roman" panose="02020603050405020304" pitchFamily="18" charset="0"/>
                 <a:cs typeface="Times New Roman" panose="02020603050405020304" pitchFamily="18" charset="0"/>
               </a:rPr>
-              <a:t>14. Has Online delivery	          Can we have online delivery ? Yes/No</a:t>
-            </a:r>
-          </a:p>
-          <a:p>
-            <a:pPr marL="457200" lvl="1" indent="0">
-              <a:lnSpc>
-                <a:spcPct val="110000"/>
-              </a:lnSpc>
-              <a:buNone/>
-            </a:pPr>
-            <a:r>
-              <a:rPr lang="en-US" dirty="0">
+              <a:t>: Join date of tweet creator</a:t>
+            </a:r>
+          </a:p>
+          <a:p>
+            <a:pPr fontAlgn="base"/>
+            <a:r>
+              <a:rPr lang="en-US" sz="5600" dirty="0" err="1">
                 <a:latin typeface="Times New Roman" panose="02020603050405020304" pitchFamily="18" charset="0"/>
                 <a:cs typeface="Times New Roman" panose="02020603050405020304" pitchFamily="18" charset="0"/>
               </a:rPr>
-              <a:t>Is delivering now	           Is the Restaurant delivering food now? Yes/No</a:t>
-            </a:r>
-          </a:p>
-          <a:p>
-            <a:pPr marL="457200" lvl="1" indent="0">
-              <a:lnSpc>
-                <a:spcPct val="110000"/>
-              </a:lnSpc>
-              <a:buNone/>
-            </a:pPr>
-            <a:r>
-              <a:rPr lang="en-US" dirty="0">
+              <a:t>user_followers_count</a:t>
+            </a:r>
+            <a:r>
+              <a:rPr lang="en-US" sz="5600" dirty="0">
                 <a:latin typeface="Times New Roman" panose="02020603050405020304" pitchFamily="18" charset="0"/>
                 <a:cs typeface="Times New Roman" panose="02020603050405020304" pitchFamily="18" charset="0"/>
               </a:rPr>
-              <a:t>15. Switch to order menu             Switch to order menu ? Yes/ No</a:t>
-            </a:r>
-          </a:p>
-          <a:p>
-            <a:pPr marL="457200" lvl="1" indent="0">
-              <a:lnSpc>
-                <a:spcPct val="110000"/>
-              </a:lnSpc>
-              <a:buNone/>
-            </a:pPr>
-            <a:r>
-              <a:rPr lang="en-US" dirty="0">
+              <a:t>: Followers count on tweet creator</a:t>
+            </a:r>
+          </a:p>
+          <a:p>
+            <a:pPr fontAlgn="base"/>
+            <a:r>
+              <a:rPr lang="en-US" sz="5600" dirty="0" err="1">
                 <a:latin typeface="Times New Roman" panose="02020603050405020304" pitchFamily="18" charset="0"/>
                 <a:cs typeface="Times New Roman" panose="02020603050405020304" pitchFamily="18" charset="0"/>
               </a:rPr>
-              <a:t>16. Price range	           Categorized price between 1 -4</a:t>
-            </a:r>
-          </a:p>
-          <a:p>
-            <a:pPr marL="457200" lvl="1" indent="0">
-              <a:lnSpc>
-                <a:spcPct val="110000"/>
-              </a:lnSpc>
-              <a:buNone/>
-            </a:pPr>
-            <a:r>
-              <a:rPr lang="en-US" dirty="0">
+              <a:t>user_location</a:t>
+            </a:r>
+            <a:r>
+              <a:rPr lang="en-US" sz="5600" dirty="0">
                 <a:latin typeface="Times New Roman" panose="02020603050405020304" pitchFamily="18" charset="0"/>
                 <a:cs typeface="Times New Roman" panose="02020603050405020304" pitchFamily="18" charset="0"/>
               </a:rPr>
-              <a:t>17. Aggregate rating	           Categorizing ratings between 1-5</a:t>
-            </a:r>
-          </a:p>
-          <a:p>
-            <a:pPr marL="457200" lvl="1" indent="0">
-              <a:lnSpc>
-                <a:spcPct val="110000"/>
-              </a:lnSpc>
-              <a:buNone/>
-            </a:pPr>
-            <a:r>
-              <a:rPr lang="en-US" dirty="0">
+              <a:t>: Location given on tweet creator's profile</a:t>
+            </a:r>
+          </a:p>
+          <a:p>
+            <a:pPr fontAlgn="base"/>
+            <a:r>
+              <a:rPr lang="en-US" sz="5600" dirty="0" err="1">
                 <a:latin typeface="Times New Roman" panose="02020603050405020304" pitchFamily="18" charset="0"/>
                 <a:cs typeface="Times New Roman" panose="02020603050405020304" pitchFamily="18" charset="0"/>
               </a:rPr>
-              <a:t>18. Rating color	           Different colors representing Customer Rating</a:t>
-            </a:r>
-          </a:p>
-          <a:p>
-            <a:pPr marL="457200" lvl="1" indent="0">
-              <a:lnSpc>
-                <a:spcPct val="110000"/>
-              </a:lnSpc>
-              <a:buNone/>
-            </a:pPr>
-            <a:r>
-              <a:rPr lang="en-US" dirty="0">
+              <a:t>lat</a:t>
+            </a:r>
+            <a:r>
+              <a:rPr lang="en-US" sz="5600" dirty="0">
                 <a:latin typeface="Times New Roman" panose="02020603050405020304" pitchFamily="18" charset="0"/>
                 <a:cs typeface="Times New Roman" panose="02020603050405020304" pitchFamily="18" charset="0"/>
               </a:rPr>
-              <a:t>19. Rating text	           Different Rating like Excellent, Very Good ,Good, Avg., Poor, Not Rated</a:t>
-            </a:r>
-          </a:p>
-          <a:p>
-            <a:pPr marL="457200" lvl="1" indent="0">
-              <a:lnSpc>
-                <a:spcPct val="110000"/>
-              </a:lnSpc>
-              <a:buNone/>
-            </a:pPr>
-            <a:r>
-              <a:rPr lang="en-US" dirty="0">
+              <a:t>: Latitude parsed from </a:t>
+            </a:r>
+            <a:r>
+              <a:rPr lang="en-US" sz="5600" dirty="0" err="1">
                 <a:latin typeface="Times New Roman" panose="02020603050405020304" pitchFamily="18" charset="0"/>
                 <a:cs typeface="Times New Roman" panose="02020603050405020304" pitchFamily="18" charset="0"/>
               </a:rPr>
-              <a:t>20. Votes	           No:  Of Votes received by restaurant from customers.</a:t>
-            </a:r>
-          </a:p>
-          <a:p>
-            <a:pPr marL="457200" lvl="1" indent="0">
-              <a:lnSpc>
-                <a:spcPct val="110000"/>
-              </a:lnSpc>
-              <a:buNone/>
-            </a:pPr>
-            <a:r>
-              <a:rPr lang="en-US" dirty="0">
+              <a:t>user_location</a:t>
+            </a:r>
+            <a:endParaRPr lang="en-US" sz="5600" dirty="0">
+              <a:latin typeface="Times New Roman" panose="02020603050405020304" pitchFamily="18" charset="0"/>
+              <a:cs typeface="Times New Roman" panose="02020603050405020304" pitchFamily="18" charset="0"/>
+            </a:endParaRPr>
+          </a:p>
+          <a:p>
+            <a:pPr fontAlgn="base"/>
+            <a:r>
+              <a:rPr lang="en-US" sz="5600" dirty="0">
                 <a:latin typeface="Times New Roman" panose="02020603050405020304" pitchFamily="18" charset="0"/>
                 <a:cs typeface="Times New Roman" panose="02020603050405020304" pitchFamily="18" charset="0"/>
               </a:rPr>
-              <a:t>21. Country                                   Country Name</a:t>
-            </a:r>
-          </a:p>
-          <a:p>
-            <a:pPr marL="457200" lvl="1" indent="0">
-              <a:lnSpc>
-                <a:spcPct val="110000"/>
-              </a:lnSpc>
-              <a:buNone/>
-            </a:pPr>
-            <a:r>
-              <a:rPr lang="en-US" dirty="0">
+              <a:t>long: Longitude parsed from </a:t>
+            </a:r>
+            <a:r>
+              <a:rPr lang="en-US" sz="5600" dirty="0" err="1">
                 <a:latin typeface="Times New Roman" panose="02020603050405020304" pitchFamily="18" charset="0"/>
                 <a:cs typeface="Times New Roman" panose="02020603050405020304" pitchFamily="18" charset="0"/>
               </a:rPr>
-              <a:t>22. Date                                         Date</a:t>
-            </a:r>
+              <a:t>user_location</a:t>
+            </a:r>
+            <a:endParaRPr lang="en-US" sz="5600" dirty="0">
+              <a:latin typeface="Times New Roman" panose="02020603050405020304" pitchFamily="18" charset="0"/>
+              <a:cs typeface="Times New Roman" panose="02020603050405020304" pitchFamily="18" charset="0"/>
+            </a:endParaRPr>
+          </a:p>
+          <a:p>
+            <a:pPr fontAlgn="base"/>
+            <a:r>
+              <a:rPr lang="en-US" sz="5600" dirty="0">
+                <a:latin typeface="Times New Roman" panose="02020603050405020304" pitchFamily="18" charset="0"/>
+                <a:cs typeface="Times New Roman" panose="02020603050405020304" pitchFamily="18" charset="0"/>
+              </a:rPr>
+              <a:t>city: City parsed from </a:t>
+            </a:r>
+            <a:r>
+              <a:rPr lang="en-US" sz="5600" dirty="0" err="1">
+                <a:latin typeface="Times New Roman" panose="02020603050405020304" pitchFamily="18" charset="0"/>
+                <a:cs typeface="Times New Roman" panose="02020603050405020304" pitchFamily="18" charset="0"/>
+              </a:rPr>
+              <a:t>user_location</a:t>
+            </a:r>
+            <a:endParaRPr lang="en-US" sz="5600" dirty="0">
+              <a:latin typeface="Times New Roman" panose="02020603050405020304" pitchFamily="18" charset="0"/>
+              <a:cs typeface="Times New Roman" panose="02020603050405020304" pitchFamily="18" charset="0"/>
+            </a:endParaRPr>
+          </a:p>
+          <a:p>
+            <a:pPr fontAlgn="base"/>
+            <a:r>
+              <a:rPr lang="en-US" sz="5600" dirty="0">
+                <a:latin typeface="Times New Roman" panose="02020603050405020304" pitchFamily="18" charset="0"/>
+                <a:cs typeface="Times New Roman" panose="02020603050405020304" pitchFamily="18" charset="0"/>
+              </a:rPr>
+              <a:t>country: Country parsed from </a:t>
+            </a:r>
+            <a:r>
+              <a:rPr lang="en-US" sz="5600" dirty="0" err="1">
+                <a:latin typeface="Times New Roman" panose="02020603050405020304" pitchFamily="18" charset="0"/>
+                <a:cs typeface="Times New Roman" panose="02020603050405020304" pitchFamily="18" charset="0"/>
+              </a:rPr>
+              <a:t>user_location</a:t>
+            </a:r>
+            <a:endParaRPr lang="en-US" sz="5600" dirty="0">
+              <a:latin typeface="Times New Roman" panose="02020603050405020304" pitchFamily="18" charset="0"/>
+              <a:cs typeface="Times New Roman" panose="02020603050405020304" pitchFamily="18" charset="0"/>
+            </a:endParaRPr>
+          </a:p>
+          <a:p>
+            <a:pPr fontAlgn="base"/>
+            <a:r>
+              <a:rPr lang="en-US" sz="5600" dirty="0">
+                <a:latin typeface="Times New Roman" panose="02020603050405020304" pitchFamily="18" charset="0"/>
+                <a:cs typeface="Times New Roman" panose="02020603050405020304" pitchFamily="18" charset="0"/>
+              </a:rPr>
+              <a:t>state: State parsed from </a:t>
+            </a:r>
+            <a:r>
+              <a:rPr lang="en-US" sz="5600" dirty="0" err="1">
+                <a:latin typeface="Times New Roman" panose="02020603050405020304" pitchFamily="18" charset="0"/>
+                <a:cs typeface="Times New Roman" panose="02020603050405020304" pitchFamily="18" charset="0"/>
+              </a:rPr>
+              <a:t>user_location</a:t>
+            </a:r>
+            <a:endParaRPr lang="en-US" sz="5600" dirty="0">
+              <a:latin typeface="Times New Roman" panose="02020603050405020304" pitchFamily="18" charset="0"/>
+              <a:cs typeface="Times New Roman" panose="02020603050405020304" pitchFamily="18" charset="0"/>
+            </a:endParaRPr>
+          </a:p>
+          <a:p>
+            <a:pPr fontAlgn="base"/>
+            <a:r>
+              <a:rPr lang="en-US" sz="5600" dirty="0" err="1">
+                <a:latin typeface="Times New Roman" panose="02020603050405020304" pitchFamily="18" charset="0"/>
+                <a:cs typeface="Times New Roman" panose="02020603050405020304" pitchFamily="18" charset="0"/>
+              </a:rPr>
+              <a:t>state_code</a:t>
+            </a:r>
+            <a:r>
+              <a:rPr lang="en-US" sz="5600" dirty="0">
+                <a:latin typeface="Times New Roman" panose="02020603050405020304" pitchFamily="18" charset="0"/>
+                <a:cs typeface="Times New Roman" panose="02020603050405020304" pitchFamily="18" charset="0"/>
+              </a:rPr>
+              <a:t>: State code parsed from </a:t>
+            </a:r>
+            <a:r>
+              <a:rPr lang="en-US" sz="5600" dirty="0" err="1">
+                <a:latin typeface="Times New Roman" panose="02020603050405020304" pitchFamily="18" charset="0"/>
+                <a:cs typeface="Times New Roman" panose="02020603050405020304" pitchFamily="18" charset="0"/>
+              </a:rPr>
+              <a:t>user_location</a:t>
+            </a:r>
+            <a:endParaRPr lang="en-US" sz="5600" dirty="0">
+              <a:latin typeface="Times New Roman" panose="02020603050405020304" pitchFamily="18" charset="0"/>
+              <a:cs typeface="Times New Roman" panose="02020603050405020304" pitchFamily="18" charset="0"/>
+            </a:endParaRPr>
+          </a:p>
+          <a:p>
+            <a:pPr fontAlgn="base"/>
+            <a:r>
+              <a:rPr lang="en-US" sz="5600" dirty="0" err="1">
+                <a:latin typeface="Times New Roman" panose="02020603050405020304" pitchFamily="18" charset="0"/>
+                <a:cs typeface="Times New Roman" panose="02020603050405020304" pitchFamily="18" charset="0"/>
+              </a:rPr>
+              <a:t>collected_at</a:t>
+            </a:r>
+            <a:r>
+              <a:rPr lang="en-US" sz="5600" dirty="0">
+                <a:latin typeface="Times New Roman" panose="02020603050405020304" pitchFamily="18" charset="0"/>
+                <a:cs typeface="Times New Roman" panose="02020603050405020304" pitchFamily="18" charset="0"/>
+              </a:rPr>
+              <a:t>: Date and time tweet data was mined from twitter</a:t>
+            </a:r>
+          </a:p>
+          <a:p>
+            <a:pPr fontAlgn="base"/>
+            <a:r>
+              <a:rPr lang="en-US" sz="5600" dirty="0" err="1">
+                <a:latin typeface="Times New Roman" panose="02020603050405020304" pitchFamily="18" charset="0"/>
+                <a:cs typeface="Times New Roman" panose="02020603050405020304" pitchFamily="18" charset="0"/>
+              </a:rPr>
+              <a:t>created_at</a:t>
+            </a:r>
+            <a:r>
+              <a:rPr lang="en-US" sz="5600" dirty="0">
+                <a:latin typeface="Times New Roman" panose="02020603050405020304" pitchFamily="18" charset="0"/>
+                <a:cs typeface="Times New Roman" panose="02020603050405020304" pitchFamily="18" charset="0"/>
+              </a:rPr>
+              <a:t>: Date and time of tweet creation</a:t>
+            </a:r>
+          </a:p>
+          <a:p>
+            <a:pPr fontAlgn="base"/>
+            <a:endParaRPr lang="en-US" dirty="0"/>
           </a:p>
           <a:p>
             <a:pPr marL="457200" lvl="1" indent="0">
@@ -6868,181 +6212,29 @@
         </p:nvSpPr>
         <p:spPr>
           <a:xfrm>
-            <a:off x="801789" y="1336011"/>
-            <a:ext cx="10677965" cy="4402095"/>
+            <a:off x="801789" y="1146846"/>
+            <a:ext cx="10677965" cy="4904343"/>
           </a:xfrm>
         </p:spPr>
         <p:txBody>
           <a:bodyPr>
-            <a:normAutofit/>
+            <a:normAutofit fontScale="85000" lnSpcReduction="10000"/>
           </a:bodyPr>
           <a:lstStyle/>
           <a:p>
-            <a:pPr marL="457200" lvl="1" indent="0">
+            <a:pPr marL="457200" lvl="1" indent="0" algn="just">
               <a:lnSpc>
-                <a:spcPct val="110000"/>
+                <a:spcPct val="160000"/>
               </a:lnSpc>
               <a:buNone/>
             </a:pPr>
-            <a:endParaRPr lang="en-US" sz="1500" dirty="0">
-              <a:latin typeface="Times New Roman" panose="02020603050405020304" pitchFamily="18" charset="0"/>
-              <a:cs typeface="Times New Roman" panose="02020603050405020304" pitchFamily="18" charset="0"/>
-            </a:endParaRPr>
-          </a:p>
-          <a:p>
-            <a:pPr marL="457200" lvl="1" indent="0">
-              <a:lnSpc>
-                <a:spcPct val="110000"/>
-              </a:lnSpc>
-              <a:buNone/>
-            </a:pPr>
-            <a:endParaRPr lang="en-US" sz="1500" dirty="0">
-              <a:latin typeface="Times New Roman" panose="02020603050405020304" pitchFamily="18" charset="0"/>
-              <a:cs typeface="Times New Roman" panose="02020603050405020304" pitchFamily="18" charset="0"/>
-            </a:endParaRPr>
-          </a:p>
-          <a:p>
-            <a:pPr marL="457200" lvl="1" indent="0">
-              <a:lnSpc>
-                <a:spcPct val="110000"/>
-              </a:lnSpc>
-              <a:buNone/>
-            </a:pPr>
-            <a:endParaRPr lang="en-US" sz="1500" dirty="0">
-              <a:latin typeface="Times New Roman" panose="02020603050405020304" pitchFamily="18" charset="0"/>
-              <a:cs typeface="Times New Roman" panose="02020603050405020304" pitchFamily="18" charset="0"/>
-            </a:endParaRPr>
-          </a:p>
-          <a:p>
-            <a:pPr marL="457200" lvl="1" indent="0">
-              <a:lnSpc>
-                <a:spcPct val="110000"/>
-              </a:lnSpc>
-              <a:buNone/>
-            </a:pPr>
-            <a:endParaRPr lang="en-US" sz="1500" dirty="0">
-              <a:latin typeface="Times New Roman" panose="02020603050405020304" pitchFamily="18" charset="0"/>
-              <a:cs typeface="Times New Roman" panose="02020603050405020304" pitchFamily="18" charset="0"/>
-            </a:endParaRPr>
-          </a:p>
-          <a:p>
-            <a:pPr marL="457200" lvl="1" indent="0">
-              <a:lnSpc>
-                <a:spcPct val="110000"/>
-              </a:lnSpc>
-              <a:buNone/>
-            </a:pPr>
-            <a:endParaRPr lang="en-US" sz="1500" dirty="0">
-              <a:latin typeface="Times New Roman" panose="02020603050405020304" pitchFamily="18" charset="0"/>
-              <a:cs typeface="Times New Roman" panose="02020603050405020304" pitchFamily="18" charset="0"/>
-            </a:endParaRPr>
-          </a:p>
-          <a:p>
-            <a:pPr marL="457200" lvl="1" indent="0">
-              <a:lnSpc>
-                <a:spcPct val="110000"/>
-              </a:lnSpc>
-              <a:buNone/>
-            </a:pPr>
-            <a:endParaRPr lang="en-US" sz="1500" dirty="0">
-              <a:latin typeface="Times New Roman" panose="02020603050405020304" pitchFamily="18" charset="0"/>
-              <a:cs typeface="Times New Roman" panose="02020603050405020304" pitchFamily="18" charset="0"/>
-            </a:endParaRPr>
-          </a:p>
-          <a:p>
-            <a:pPr lvl="1">
-              <a:lnSpc>
-                <a:spcPct val="110000"/>
-              </a:lnSpc>
-            </a:pPr>
-            <a:r>
-              <a:rPr lang="en-US" sz="1500" dirty="0">
+            <a:r>
+              <a:rPr lang="en-US" sz="2800" dirty="0">
                 <a:latin typeface="Times New Roman" panose="02020603050405020304" pitchFamily="18" charset="0"/>
                 <a:cs typeface="Times New Roman" panose="02020603050405020304" pitchFamily="18" charset="0"/>
               </a:rPr>
-              <a:t>In Zomato Restaurant Data, Cuisines has blanks and  Averages, Aggregate Rating has 0 as value in some records and that should be cleared . Since they are few, we remove them by using </a:t>
-            </a:r>
-            <a:r>
-              <a:rPr lang="en-US" sz="1500" b="1" dirty="0">
-                <a:latin typeface="Times New Roman" panose="02020603050405020304" pitchFamily="18" charset="0"/>
-                <a:cs typeface="Times New Roman" panose="02020603050405020304" pitchFamily="18" charset="0"/>
-              </a:rPr>
-              <a:t>Filter </a:t>
-            </a:r>
-            <a:r>
-              <a:rPr lang="en-US" sz="1500" dirty="0">
-                <a:latin typeface="Times New Roman" panose="02020603050405020304" pitchFamily="18" charset="0"/>
-                <a:cs typeface="Times New Roman" panose="02020603050405020304" pitchFamily="18" charset="0"/>
-              </a:rPr>
-              <a:t>Tool.</a:t>
-            </a:r>
-          </a:p>
-          <a:p>
-            <a:pPr lvl="1">
-              <a:lnSpc>
-                <a:spcPct val="110000"/>
-              </a:lnSpc>
-            </a:pPr>
-            <a:r>
-              <a:rPr lang="en-US" sz="1500" dirty="0">
-                <a:latin typeface="Times New Roman" panose="02020603050405020304" pitchFamily="18" charset="0"/>
-                <a:cs typeface="Times New Roman" panose="02020603050405020304" pitchFamily="18" charset="0"/>
-              </a:rPr>
-              <a:t>Since there is only Country Code given, we need to create a Country Name Column.</a:t>
-            </a:r>
-          </a:p>
-          <a:p>
-            <a:pPr lvl="1">
-              <a:lnSpc>
-                <a:spcPct val="110000"/>
-              </a:lnSpc>
-            </a:pPr>
-            <a:r>
-              <a:rPr lang="en-US" sz="1500" dirty="0">
-                <a:latin typeface="Times New Roman" panose="02020603050405020304" pitchFamily="18" charset="0"/>
-                <a:cs typeface="Times New Roman" panose="02020603050405020304" pitchFamily="18" charset="0"/>
-              </a:rPr>
-              <a:t>There is also the average cost per two column but in different currencies, hence create a column of one common currency. Here I wanted to work on Dollars as I am presently working for USA Project.</a:t>
-            </a:r>
-          </a:p>
-          <a:p>
-            <a:pPr lvl="1">
-              <a:lnSpc>
-                <a:spcPct val="110000"/>
-              </a:lnSpc>
-            </a:pPr>
-            <a:r>
-              <a:rPr lang="en-US" sz="1500" dirty="0">
-                <a:latin typeface="Times New Roman" panose="02020603050405020304" pitchFamily="18" charset="0"/>
-                <a:cs typeface="Times New Roman" panose="02020603050405020304" pitchFamily="18" charset="0"/>
-              </a:rPr>
-              <a:t>Since there is no Date column, I added a Date column using Date() function for finding out how old the restaurants are.</a:t>
-            </a:r>
-          </a:p>
-          <a:p>
-            <a:pPr lvl="1">
-              <a:lnSpc>
-                <a:spcPct val="110000"/>
-              </a:lnSpc>
-            </a:pPr>
-            <a:r>
-              <a:rPr lang="en-US" sz="1500" dirty="0">
-                <a:latin typeface="Times New Roman" panose="02020603050405020304" pitchFamily="18" charset="0"/>
-                <a:cs typeface="Times New Roman" panose="02020603050405020304" pitchFamily="18" charset="0"/>
-              </a:rPr>
-              <a:t>We cannot find the rating when it is in text, I converted the Rating column which was in text into numbers as it would be easy to make visualizations.</a:t>
-            </a:r>
-          </a:p>
-          <a:p>
-            <a:pPr lvl="1">
-              <a:lnSpc>
-                <a:spcPct val="110000"/>
-              </a:lnSpc>
-            </a:pPr>
-            <a:endParaRPr lang="en-US" sz="1500" dirty="0">
-              <a:latin typeface="Times New Roman" panose="02020603050405020304" pitchFamily="18" charset="0"/>
-              <a:cs typeface="Times New Roman" panose="02020603050405020304" pitchFamily="18" charset="0"/>
-            </a:endParaRPr>
+              <a:t>Since I am performing Sentiment Analysis, I had to clean tweets having noise like Punctuation, Symbols, Uppercase letters, Stop words, numbers and links. I used regular expression to clear them. I used Pandas and NumPy for cleaning and Transformation like dropping the columns not used for analysis For visualization, I used Matplotlib and Plotly. For sentiment Analysis, I used NLTK and Textblob packages. The redundant process were placed in functions. Concat method was used to merge two dataframes. Counter was imported to count the polarity values like positive, negative and neutral sentiments.</a:t>
+            </a:r>
           </a:p>
           <a:p>
             <a:pPr lvl="1">
@@ -7153,7 +6345,7 @@
                 <a:latin typeface="Times New Roman" panose="02020603050405020304" pitchFamily="18" charset="0"/>
                 <a:cs typeface="Times New Roman" panose="02020603050405020304" pitchFamily="18" charset="0"/>
               </a:rPr>
-              <a:t>Data Cleaning</a:t>
+              <a:t>Data Cleaning and Transformation</a:t>
             </a:r>
             <a:endParaRPr lang="en-US" dirty="0">
               <a:latin typeface="Times New Roman" panose="02020603050405020304" pitchFamily="18" charset="0"/>
@@ -7191,36 +6383,6 @@
           </a:p>
         </p:txBody>
       </p:sp>
-      <p:pic>
-        <p:nvPicPr>
-          <p:cNvPr id="5" name="Picture 4" descr="A picture containing monitor&#10;&#10;Description automatically generated">
-            <a:extLst>
-              <a:ext uri="{FF2B5EF4-FFF2-40B4-BE49-F238E27FC236}">
-                <a16:creationId xmlns:a16="http://schemas.microsoft.com/office/drawing/2014/main" id="{E9D6A2A5-3319-844C-8731-F4C265E767DB}"/>
-              </a:ext>
-            </a:extLst>
-          </p:cNvPr>
-          <p:cNvPicPr>
-            <a:picLocks noChangeAspect="1"/>
-          </p:cNvPicPr>
-          <p:nvPr/>
-        </p:nvPicPr>
-        <p:blipFill>
-          <a:blip r:embed="rId4"/>
-          <a:stretch>
-            <a:fillRect/>
-          </a:stretch>
-        </p:blipFill>
-        <p:spPr>
-          <a:xfrm>
-            <a:off x="2425696" y="1336215"/>
-            <a:ext cx="8360228" cy="1883767"/>
-          </a:xfrm>
-          <a:prstGeom prst="rect">
-            <a:avLst/>
-          </a:prstGeom>
-        </p:spPr>
-      </p:pic>
     </p:spTree>
     <p:extLst>
       <p:ext uri="{BB962C8B-B14F-4D97-AF65-F5344CB8AC3E}">
@@ -7314,68 +6476,6 @@
               <a:cs typeface="Times New Roman" panose="02020603050405020304" pitchFamily="18" charset="0"/>
             </a:endParaRPr>
           </a:p>
-          <a:p>
-            <a:pPr marL="457200" lvl="1" indent="0">
-              <a:lnSpc>
-                <a:spcPct val="110000"/>
-              </a:lnSpc>
-              <a:buNone/>
-            </a:pPr>
-            <a:endParaRPr lang="en-US" sz="1400" dirty="0">
-              <a:latin typeface="Times New Roman" panose="02020603050405020304" pitchFamily="18" charset="0"/>
-              <a:cs typeface="Times New Roman" panose="02020603050405020304" pitchFamily="18" charset="0"/>
-            </a:endParaRPr>
-          </a:p>
-          <a:p>
-            <a:pPr marL="457200" lvl="1" indent="0">
-              <a:lnSpc>
-                <a:spcPct val="110000"/>
-              </a:lnSpc>
-              <a:buNone/>
-            </a:pPr>
-            <a:endParaRPr lang="en-US" sz="1400" dirty="0">
-              <a:latin typeface="Times New Roman" panose="02020603050405020304" pitchFamily="18" charset="0"/>
-              <a:cs typeface="Times New Roman" panose="02020603050405020304" pitchFamily="18" charset="0"/>
-            </a:endParaRPr>
-          </a:p>
-          <a:p>
-            <a:pPr marL="457200" lvl="1" indent="0">
-              <a:lnSpc>
-                <a:spcPct val="110000"/>
-              </a:lnSpc>
-              <a:buNone/>
-            </a:pPr>
-            <a:endParaRPr lang="en-US" sz="1400" dirty="0">
-              <a:latin typeface="Times New Roman" panose="02020603050405020304" pitchFamily="18" charset="0"/>
-              <a:cs typeface="Times New Roman" panose="02020603050405020304" pitchFamily="18" charset="0"/>
-            </a:endParaRPr>
-          </a:p>
-          <a:p>
-            <a:pPr lvl="1" algn="just">
-              <a:lnSpc>
-                <a:spcPct val="110000"/>
-              </a:lnSpc>
-            </a:pPr>
-            <a:r>
-              <a:rPr lang="en-US" sz="1500" dirty="0">
-                <a:latin typeface="Times New Roman" panose="02020603050405020304" pitchFamily="18" charset="0"/>
-                <a:cs typeface="Times New Roman" panose="02020603050405020304" pitchFamily="18" charset="0"/>
-              </a:rPr>
-              <a:t>Here I found Count of Zomato Restaurants that were present in each country after Data Cleaning. There were 9551 Restaurants out of which Maximum of 8652 restaurants were present only in “India” and Minimum of 4 Restaurants were present in Canada. I have used slicers and 3D map for better understanding of Pivot table and Pivot chart.</a:t>
-            </a:r>
-          </a:p>
-          <a:p>
-            <a:pPr marL="457200" lvl="1" indent="0">
-              <a:lnSpc>
-                <a:spcPct val="110000"/>
-              </a:lnSpc>
-              <a:buNone/>
-            </a:pPr>
-            <a:endParaRPr lang="en-US" sz="1400" dirty="0">
-              <a:latin typeface="Times New Roman" panose="02020603050405020304" pitchFamily="18" charset="0"/>
-              <a:cs typeface="Times New Roman" panose="02020603050405020304" pitchFamily="18" charset="0"/>
-            </a:endParaRPr>
-          </a:p>
         </p:txBody>
       </p:sp>
       <p:pic>
@@ -7514,32 +6614,28 @@
       </p:sp>
       <p:pic>
         <p:nvPicPr>
-          <p:cNvPr id="8" name="Picture 7" descr="A screenshot of a computer&#10;&#10;Description automatically generated">
-            <a:extLst>
-              <a:ext uri="{FF2B5EF4-FFF2-40B4-BE49-F238E27FC236}">
-                <a16:creationId xmlns:a16="http://schemas.microsoft.com/office/drawing/2014/main" id="{8F144CAC-DE87-4743-995A-F06AD16918B2}"/>
-              </a:ext>
-            </a:extLst>
-          </p:cNvPr>
-          <p:cNvPicPr/>
+          <p:cNvPr id="6" name="Picture 5" descr="Chart, bar chart&#10;&#10;Description automatically generated">
+            <a:extLst>
+              <a:ext uri="{FF2B5EF4-FFF2-40B4-BE49-F238E27FC236}">
+                <a16:creationId xmlns:a16="http://schemas.microsoft.com/office/drawing/2014/main" id="{9E05F9E1-2D9D-2F4D-B7CD-DB220B722753}"/>
+              </a:ext>
+            </a:extLst>
+          </p:cNvPr>
+          <p:cNvPicPr>
+            <a:picLocks noChangeAspect="1"/>
+          </p:cNvPicPr>
           <p:nvPr/>
         </p:nvPicPr>
         <p:blipFill>
-          <a:blip r:embed="rId4">
-            <a:extLst>
-              <a:ext uri="{28A0092B-C50C-407E-A947-70E740481C1C}">
-                <a14:useLocalDpi xmlns:a14="http://schemas.microsoft.com/office/drawing/2010/main" val="0"/>
-              </a:ext>
-            </a:extLst>
-          </a:blip>
+          <a:blip r:embed="rId4"/>
           <a:stretch>
             <a:fillRect/>
           </a:stretch>
         </p:blipFill>
         <p:spPr>
           <a:xfrm>
-            <a:off x="2139270" y="1336011"/>
-            <a:ext cx="6679666" cy="1703705"/>
+            <a:off x="350087" y="1336010"/>
+            <a:ext cx="5470142" cy="3537903"/>
           </a:xfrm>
           <a:prstGeom prst="rect">
             <a:avLst/>
@@ -7548,32 +6644,28 @@
       </p:pic>
       <p:pic>
         <p:nvPicPr>
-          <p:cNvPr id="10" name="Picture 9" descr="A screenshot of a social media post&#10;&#10;Description automatically generated">
-            <a:extLst>
-              <a:ext uri="{FF2B5EF4-FFF2-40B4-BE49-F238E27FC236}">
-                <a16:creationId xmlns:a16="http://schemas.microsoft.com/office/drawing/2014/main" id="{60219583-49E6-F144-AA4F-C37B6B4E8B03}"/>
-              </a:ext>
-            </a:extLst>
-          </p:cNvPr>
-          <p:cNvPicPr/>
+          <p:cNvPr id="14" name="Picture 13" descr="Chart, pie chart&#10;&#10;Description automatically generated">
+            <a:extLst>
+              <a:ext uri="{FF2B5EF4-FFF2-40B4-BE49-F238E27FC236}">
+                <a16:creationId xmlns:a16="http://schemas.microsoft.com/office/drawing/2014/main" id="{15A6903F-0DCD-A648-ABA1-DA5A9B1FCEF7}"/>
+              </a:ext>
+            </a:extLst>
+          </p:cNvPr>
+          <p:cNvPicPr>
+            <a:picLocks noChangeAspect="1"/>
+          </p:cNvPicPr>
           <p:nvPr/>
         </p:nvPicPr>
         <p:blipFill>
-          <a:blip r:embed="rId5">
-            <a:extLst>
-              <a:ext uri="{28A0092B-C50C-407E-A947-70E740481C1C}">
-                <a14:useLocalDpi xmlns:a14="http://schemas.microsoft.com/office/drawing/2010/main" val="0"/>
-              </a:ext>
-            </a:extLst>
-          </a:blip>
+          <a:blip r:embed="rId5"/>
           <a:stretch>
             <a:fillRect/>
           </a:stretch>
         </p:blipFill>
         <p:spPr>
           <a:xfrm>
-            <a:off x="2139270" y="4004859"/>
-            <a:ext cx="5943600" cy="2089785"/>
+            <a:off x="7335156" y="1501176"/>
+            <a:ext cx="3753757" cy="3372737"/>
           </a:xfrm>
           <a:prstGeom prst="rect">
             <a:avLst/>
@@ -7610,60 +6702,6 @@
           <a:chExt cx="0" cy="0"/>
         </a:xfrm>
       </p:grpSpPr>
-      <p:sp>
-        <p:nvSpPr>
-          <p:cNvPr id="3" name="Content Placeholder 2">
-            <a:extLst>
-              <a:ext uri="{FF2B5EF4-FFF2-40B4-BE49-F238E27FC236}">
-                <a16:creationId xmlns:a16="http://schemas.microsoft.com/office/drawing/2014/main" id="{75DB1086-1365-B942-BFE2-A2552509A3D9}"/>
-              </a:ext>
-            </a:extLst>
-          </p:cNvPr>
-          <p:cNvSpPr>
-            <a:spLocks noGrp="1"/>
-          </p:cNvSpPr>
-          <p:nvPr>
-            <p:ph idx="1"/>
-          </p:nvPr>
-        </p:nvSpPr>
-        <p:spPr>
-          <a:xfrm>
-            <a:off x="801789" y="1336011"/>
-            <a:ext cx="10677965" cy="5385464"/>
-          </a:xfrm>
-        </p:spPr>
-        <p:txBody>
-          <a:bodyPr>
-            <a:normAutofit/>
-          </a:bodyPr>
-          <a:lstStyle/>
-          <a:p>
-            <a:pPr lvl="1">
-              <a:lnSpc>
-                <a:spcPct val="110000"/>
-              </a:lnSpc>
-            </a:pPr>
-            <a:r>
-              <a:rPr lang="en-US" sz="1500" dirty="0">
-                <a:latin typeface="Times New Roman" panose="02020603050405020304" pitchFamily="18" charset="0"/>
-                <a:cs typeface="Times New Roman" panose="02020603050405020304" pitchFamily="18" charset="0"/>
-              </a:rPr>
-              <a:t>Here I wanted to find highest rated Zomato restaurants count in each country , and I found that India is leading the chart board with 116 restaurants having 5 star rating, which gives 1.34% of the total restaurants in India that is 8652 restaurants are best.</a:t>
-            </a:r>
-          </a:p>
-          <a:p>
-            <a:pPr lvl="1">
-              <a:lnSpc>
-                <a:spcPct val="110000"/>
-              </a:lnSpc>
-            </a:pPr>
-            <a:endParaRPr lang="en-US" sz="1400" dirty="0">
-              <a:latin typeface="Times New Roman" panose="02020603050405020304" pitchFamily="18" charset="0"/>
-              <a:cs typeface="Times New Roman" panose="02020603050405020304" pitchFamily="18" charset="0"/>
-            </a:endParaRPr>
-          </a:p>
-        </p:txBody>
-      </p:sp>
       <p:pic>
         <p:nvPicPr>
           <p:cNvPr id="9" name="Picture 8">
@@ -7800,10 +6838,10 @@
       </p:sp>
       <p:pic>
         <p:nvPicPr>
-          <p:cNvPr id="5" name="Picture 4" descr="A screenshot of a computer&#10;&#10;Description automatically generated">
-            <a:extLst>
-              <a:ext uri="{FF2B5EF4-FFF2-40B4-BE49-F238E27FC236}">
-                <a16:creationId xmlns:a16="http://schemas.microsoft.com/office/drawing/2014/main" id="{0180E106-DAA9-2949-A975-8968C88E430F}"/>
+          <p:cNvPr id="15" name="Picture 14" descr="Chart, funnel chart&#10;&#10;Description automatically generated">
+            <a:extLst>
+              <a:ext uri="{FF2B5EF4-FFF2-40B4-BE49-F238E27FC236}">
+                <a16:creationId xmlns:a16="http://schemas.microsoft.com/office/drawing/2014/main" id="{83B190DF-280F-F34E-AAD6-B12BA86B4A84}"/>
               </a:ext>
             </a:extLst>
           </p:cNvPr>
@@ -7820,8 +6858,38 @@
         </p:blipFill>
         <p:spPr>
           <a:xfrm>
-            <a:off x="1260009" y="2301379"/>
-            <a:ext cx="9525915" cy="3089603"/>
+            <a:off x="801789" y="1047211"/>
+            <a:ext cx="5827611" cy="4763577"/>
+          </a:xfrm>
+          <a:prstGeom prst="rect">
+            <a:avLst/>
+          </a:prstGeom>
+        </p:spPr>
+      </p:pic>
+      <p:pic>
+        <p:nvPicPr>
+          <p:cNvPr id="18" name="Picture 17" descr="Chart, funnel chart&#10;&#10;Description automatically generated">
+            <a:extLst>
+              <a:ext uri="{FF2B5EF4-FFF2-40B4-BE49-F238E27FC236}">
+                <a16:creationId xmlns:a16="http://schemas.microsoft.com/office/drawing/2014/main" id="{6E980814-7D52-A84A-8315-3CB5A85B89F9}"/>
+              </a:ext>
+            </a:extLst>
+          </p:cNvPr>
+          <p:cNvPicPr>
+            <a:picLocks noChangeAspect="1"/>
+          </p:cNvPicPr>
+          <p:nvPr/>
+        </p:nvPicPr>
+        <p:blipFill>
+          <a:blip r:embed="rId5"/>
+          <a:stretch>
+            <a:fillRect/>
+          </a:stretch>
+        </p:blipFill>
+        <p:spPr>
+          <a:xfrm>
+            <a:off x="5864038" y="1047211"/>
+            <a:ext cx="6096000" cy="4763577"/>
           </a:xfrm>
           <a:prstGeom prst="rect">
             <a:avLst/>
@@ -7877,7 +6945,7 @@
         <p:spPr>
           <a:xfrm>
             <a:off x="801789" y="1491927"/>
-            <a:ext cx="10677965" cy="2393778"/>
+            <a:ext cx="10677965" cy="3056322"/>
           </a:xfrm>
         </p:spPr>
         <p:txBody>
@@ -7886,55 +6954,18 @@
           </a:bodyPr>
           <a:lstStyle/>
           <a:p>
-            <a:pPr lvl="0"/>
-            <a:r>
-              <a:rPr lang="en-US" sz="1500" dirty="0">
+            <a:pPr marL="0" indent="0" algn="just">
+              <a:lnSpc>
+                <a:spcPct val="150000"/>
+              </a:lnSpc>
+              <a:buNone/>
+            </a:pPr>
+            <a:r>
+              <a:rPr lang="en-US" dirty="0">
                 <a:latin typeface="Times New Roman" panose="02020603050405020304" pitchFamily="18" charset="0"/>
                 <a:cs typeface="Times New Roman" panose="02020603050405020304" pitchFamily="18" charset="0"/>
               </a:rPr>
-              <a:t>The Pivot chart shows number of restaurants that are grouped into their respective ages. For example: there are 1881 restaurants in the cleaned data that are less than 1 year of age group.</a:t>
-            </a:r>
-          </a:p>
-          <a:p>
-            <a:pPr lvl="0"/>
-            <a:r>
-              <a:rPr lang="en-US" sz="1500" dirty="0">
-                <a:latin typeface="Times New Roman" panose="02020603050405020304" pitchFamily="18" charset="0"/>
-                <a:cs typeface="Times New Roman" panose="02020603050405020304" pitchFamily="18" charset="0"/>
-              </a:rPr>
-              <a:t>The pie chart shows the similar count of the number of restaurants that are grouped into their respective ages. For example: there are 3 Restaurants in the Cleaned data that are above 4 years of age.</a:t>
-            </a:r>
-          </a:p>
-          <a:p>
-            <a:pPr marL="0" lvl="0" indent="0">
-              <a:buNone/>
-            </a:pPr>
-            <a:r>
-              <a:rPr lang="en-US" sz="2000" dirty="0">
-                <a:latin typeface="Times New Roman" panose="02020603050405020304" pitchFamily="18" charset="0"/>
-                <a:cs typeface="Times New Roman" panose="02020603050405020304" pitchFamily="18" charset="0"/>
-              </a:rPr>
-              <a:t>Descriptive Statistics Results: </a:t>
-            </a:r>
-          </a:p>
-          <a:p>
-            <a:pPr lvl="0"/>
-            <a:r>
-              <a:rPr lang="en-US" sz="1500" dirty="0">
-                <a:latin typeface="Times New Roman" panose="02020603050405020304" pitchFamily="18" charset="0"/>
-                <a:cs typeface="Times New Roman" panose="02020603050405020304" pitchFamily="18" charset="0"/>
-              </a:rPr>
-              <a:t>With the help of Data Analysis ToolPak tool I was able to create a Histogram values like Bins and Frequency of the ratings occurring for the Ratings column given for the restaurants</a:t>
-            </a:r>
-          </a:p>
-          <a:p>
-            <a:pPr lvl="0"/>
-            <a:r>
-              <a:rPr lang="en-US" sz="1500" dirty="0">
-                <a:latin typeface="Times New Roman" panose="02020603050405020304" pitchFamily="18" charset="0"/>
-                <a:cs typeface="Times New Roman" panose="02020603050405020304" pitchFamily="18" charset="0"/>
-              </a:rPr>
-              <a:t>The Table of values were helpful in creating the Histogram.</a:t>
+              <a:t>We should have ideally same number of tweets from all the states, well that is quite impossible to have that, but we can try by Distributing the data Uniformly. We can also use Supervised and Un Supervised Machine Learning Algorithms predict the sentiments with better accuracies.</a:t>
             </a:r>
           </a:p>
           <a:p>
@@ -8053,7 +7084,7 @@
                 <a:latin typeface="Times New Roman" panose="02020603050405020304" pitchFamily="18" charset="0"/>
                 <a:cs typeface="Times New Roman" panose="02020603050405020304" pitchFamily="18" charset="0"/>
               </a:rPr>
-              <a:t>Data Analysis</a:t>
+              <a:t>Future Work</a:t>
             </a:r>
             <a:endParaRPr lang="en-US" dirty="0">
               <a:latin typeface="Times New Roman" panose="02020603050405020304" pitchFamily="18" charset="0"/>

--- a/Data-Visualization/Final Project/Kolla_FinalProject.pptx
+++ b/Data-Visualization/Final Project/Kolla_FinalProject.pptx
@@ -3973,7 +3973,7 @@
         </p:spPr>
         <p:txBody>
           <a:bodyPr>
-            <a:normAutofit/>
+            <a:normAutofit fontScale="92500" lnSpcReduction="20000"/>
           </a:bodyPr>
           <a:lstStyle/>
           <a:p>
@@ -3988,8 +3988,16 @@
                 <a:latin typeface="Times New Roman" panose="02020603050405020304" pitchFamily="18" charset="0"/>
                 <a:cs typeface="Times New Roman" panose="02020603050405020304" pitchFamily="18" charset="0"/>
               </a:rPr>
-              <a:t>From the Visualizations people can infer that Donald Trump has more likes than his counterpart from the bar chart. The Pie chart tells that In India, there was more discussion about Joe Biden than Donald Trump. From Sentiment Analysis, through funnel area graph chart we found that Donald Trump has fewer positive sentiments and more negative sentiments in the tweets than Joe Biden.</a:t>
-            </a:r>
+              <a:t>From the Visualizations people can infer that Donald Trump has more likes than his counterpart from the bar chart. The Pie chart tells that In India, there was more discussion about Joe Biden than Donald Trump. From Sentiment Analysis, through funnel area graph chart we found that Donald Trump has fewer positive sentiments and more negative sentiments in the tweets than Joe Biden. We found out that Joe Biden has more chance of winning the US 2020 Election even though the data had more likes for Donald Trump. Which is True as Biden won in the 2020 US Elections.</a:t>
+            </a:r>
+          </a:p>
+          <a:p>
+            <a:pPr marL="0" indent="0" algn="just">
+              <a:lnSpc>
+                <a:spcPct val="150000"/>
+              </a:lnSpc>
+              <a:buNone/>
+            </a:pPr>
             <a:endParaRPr lang="en-US" sz="3200" dirty="0">
               <a:latin typeface="Times New Roman" panose="02020603050405020304" pitchFamily="18" charset="0"/>
               <a:cs typeface="Times New Roman" panose="02020603050405020304" pitchFamily="18" charset="0"/>
@@ -4200,6 +4208,7 @@
           </a:bodyPr>
           <a:lstStyle/>
           <a:p>
+            <a:pPr algn="just"/>
             <a:r>
               <a:rPr lang="en-US" dirty="0">
                 <a:latin typeface="Times New Roman" panose="02020603050405020304" pitchFamily="18" charset="0"/>
@@ -4221,12 +4230,72 @@
               </a:rPr>
               <a:t>. </a:t>
             </a:r>
+          </a:p>
+          <a:p>
+            <a:pPr algn="just"/>
+            <a:r>
+              <a:rPr lang="en-US" dirty="0" err="1">
+                <a:latin typeface="Times New Roman" panose="02020603050405020304" pitchFamily="18" charset="0"/>
+                <a:cs typeface="Times New Roman" panose="02020603050405020304" pitchFamily="18" charset="0"/>
+              </a:rPr>
+              <a:t>Gukanesh</a:t>
+            </a:r>
+            <a:r>
+              <a:rPr lang="en-US" dirty="0">
+                <a:latin typeface="Times New Roman" panose="02020603050405020304" pitchFamily="18" charset="0"/>
+                <a:cs typeface="Times New Roman" panose="02020603050405020304" pitchFamily="18" charset="0"/>
+              </a:rPr>
+              <a:t>, A. V., Kumar, G. K., &amp; Saranya, K. K. R. K. | N. (2018). Twitter Data Analytics – Sentiment Analysis of An Election. </a:t>
+            </a:r>
+            <a:r>
+              <a:rPr lang="en-US" i="1" dirty="0">
+                <a:latin typeface="Times New Roman" panose="02020603050405020304" pitchFamily="18" charset="0"/>
+                <a:cs typeface="Times New Roman" panose="02020603050405020304" pitchFamily="18" charset="0"/>
+              </a:rPr>
+              <a:t>International Journal of Trend in Scientific Research and Development</a:t>
+            </a:r>
+            <a:r>
+              <a:rPr lang="en-US" dirty="0">
+                <a:latin typeface="Times New Roman" panose="02020603050405020304" pitchFamily="18" charset="0"/>
+                <a:cs typeface="Times New Roman" panose="02020603050405020304" pitchFamily="18" charset="0"/>
+              </a:rPr>
+              <a:t>,</a:t>
+            </a:r>
+            <a:r>
+              <a:rPr lang="en-US" i="1" dirty="0">
+                <a:latin typeface="Times New Roman" panose="02020603050405020304" pitchFamily="18" charset="0"/>
+                <a:cs typeface="Times New Roman" panose="02020603050405020304" pitchFamily="18" charset="0"/>
+              </a:rPr>
+              <a:t>Volume-2</a:t>
+            </a:r>
+            <a:r>
+              <a:rPr lang="en-US" dirty="0">
+                <a:latin typeface="Times New Roman" panose="02020603050405020304" pitchFamily="18" charset="0"/>
+                <a:cs typeface="Times New Roman" panose="02020603050405020304" pitchFamily="18" charset="0"/>
+              </a:rPr>
+              <a:t>(Issue-3),1600–1603. https://</a:t>
+            </a:r>
+            <a:r>
+              <a:rPr lang="en-US" dirty="0" err="1">
+                <a:latin typeface="Times New Roman" panose="02020603050405020304" pitchFamily="18" charset="0"/>
+                <a:cs typeface="Times New Roman" panose="02020603050405020304" pitchFamily="18" charset="0"/>
+              </a:rPr>
+              <a:t>doi.org</a:t>
+            </a:r>
+            <a:r>
+              <a:rPr lang="en-US" dirty="0">
+                <a:latin typeface="Times New Roman" panose="02020603050405020304" pitchFamily="18" charset="0"/>
+                <a:cs typeface="Times New Roman" panose="02020603050405020304" pitchFamily="18" charset="0"/>
+              </a:rPr>
+              <a:t>/10.31142/ijtsrd11457</a:t>
+            </a:r>
             <a:endParaRPr lang="en-US" sz="3200" dirty="0">
               <a:latin typeface="Times New Roman" panose="02020603050405020304" pitchFamily="18" charset="0"/>
               <a:cs typeface="Times New Roman" panose="02020603050405020304" pitchFamily="18" charset="0"/>
             </a:endParaRPr>
           </a:p>
           <a:p>
+            <a:pPr algn="just"/>
             <a:r>
               <a:rPr lang="en-US" dirty="0">
                 <a:latin typeface="Times New Roman" panose="02020603050405020304" pitchFamily="18" charset="0"/>
@@ -5001,7 +5070,7 @@
                 <a:latin typeface="Times New Roman" panose="02020603050405020304" pitchFamily="18" charset="0"/>
                 <a:cs typeface="Times New Roman" panose="02020603050405020304" pitchFamily="18" charset="0"/>
               </a:rPr>
-              <a:t>US ELECTION ANALYSIS</a:t>
+              <a:t>US 2020 ELECTION SENTIMENT ANALYSIS</a:t>
             </a:r>
           </a:p>
           <a:p>
@@ -5195,7 +5264,7 @@
                 <a:latin typeface="Times New Roman" panose="02020603050405020304" pitchFamily="18" charset="0"/>
                 <a:cs typeface="Times New Roman" panose="02020603050405020304" pitchFamily="18" charset="0"/>
               </a:rPr>
-              <a:t>Trump vs Biden Tweet count in India?</a:t>
+              <a:t>Is Trump or Biden, who is more popular in India?</a:t>
             </a:r>
           </a:p>
           <a:p>
@@ -5209,7 +5278,7 @@
                 <a:latin typeface="Times New Roman" panose="02020603050405020304" pitchFamily="18" charset="0"/>
                 <a:cs typeface="Times New Roman" panose="02020603050405020304" pitchFamily="18" charset="0"/>
               </a:rPr>
-              <a:t>Trump or Biden, who has more positive tweets?</a:t>
+              <a:t>How are the sentiments for each leader among the people?</a:t>
             </a:r>
           </a:p>
           <a:p>
@@ -6126,7 +6195,7 @@
                 <a:latin typeface="Times New Roman" panose="02020603050405020304" pitchFamily="18" charset="0"/>
                 <a:cs typeface="Times New Roman" panose="02020603050405020304" pitchFamily="18" charset="0"/>
               </a:rPr>
-              <a:t>Data Dictionary</a:t>
+              <a:t>Data Set and Dictionary</a:t>
             </a:r>
             <a:endParaRPr lang="en-US" dirty="0">
               <a:latin typeface="Times New Roman" panose="02020603050405020304" pitchFamily="18" charset="0"/>
@@ -6233,7 +6302,7 @@
                 <a:latin typeface="Times New Roman" panose="02020603050405020304" pitchFamily="18" charset="0"/>
                 <a:cs typeface="Times New Roman" panose="02020603050405020304" pitchFamily="18" charset="0"/>
               </a:rPr>
-              <a:t>Since I am performing Sentiment Analysis, I had to clean tweets having noise like Punctuation, Symbols, Uppercase letters, Stop words, numbers and links. I used regular expression to clear them. I used Pandas and NumPy for cleaning and Transformation like dropping the columns not used for analysis For visualization, I used Matplotlib and Plotly. For sentiment Analysis, I used NLTK and Textblob packages. The redundant process were placed in functions. Concat method was used to merge two dataframes. Counter was imported to count the polarity values like positive, negative and neutral sentiments.</a:t>
+              <a:t>Since I am performing Sentiment Analysis, I had to clean tweets having noise like Punctuation, Symbols, Uppercase letters, Stop words, numbers and links. I used regular expression to clear them. I used Pandas and NumPy for cleaning and Transformation like dropping the columns not used for analysis. For visualization, I used Matplotlib and Plotly. For sentiment Analysis, I used NLTK and Textblob packages. The redundant process were placed in functions. Concat method was used to merge two dataframes. Counter was imported to count the polarity values like positive, negative and neutral sentiments.</a:t>
             </a:r>
           </a:p>
           <a:p>
@@ -6944,13 +7013,13 @@
         </p:nvSpPr>
         <p:spPr>
           <a:xfrm>
-            <a:off x="801789" y="1491927"/>
-            <a:ext cx="10677965" cy="3056322"/>
+            <a:off x="801789" y="1491926"/>
+            <a:ext cx="10677965" cy="3361427"/>
           </a:xfrm>
         </p:spPr>
         <p:txBody>
           <a:bodyPr>
-            <a:normAutofit/>
+            <a:normAutofit fontScale="92500" lnSpcReduction="20000"/>
           </a:bodyPr>
           <a:lstStyle/>
           <a:p>
@@ -6965,7 +7034,7 @@
                 <a:latin typeface="Times New Roman" panose="02020603050405020304" pitchFamily="18" charset="0"/>
                 <a:cs typeface="Times New Roman" panose="02020603050405020304" pitchFamily="18" charset="0"/>
               </a:rPr>
-              <a:t>We should have ideally same number of tweets from all the states, well that is quite impossible to have that, but we can try by Distributing the data Uniformly. We can also use Supervised and Un Supervised Machine Learning Algorithms predict the sentiments with better accuracies.</a:t>
+              <a:t>We should have ideally same number of tweets from all the states, well that is quite impossible to have, but we can try by Distributing the data Uniformly. We can also use Supervised and Un Supervised Machine Learning Algorithms to predict the sentiments with better accuracies. We can also use Term Frequency – Inverse Document Frequency to increase the accuracy of Prediction.</a:t>
             </a:r>
           </a:p>
           <a:p>
